--- a/Power_Point/Architecture.pptx
+++ b/Power_Point/Architecture.pptx
@@ -4,6 +4,9 @@
   <p:sldMasterIdLst>
     <p:sldMasterId id="2147483648" r:id="rId1"/>
   </p:sldMasterIdLst>
+  <p:notesMasterIdLst>
+    <p:notesMasterId r:id="rId3"/>
+  </p:notesMasterIdLst>
   <p:sldIdLst>
     <p:sldId id="256" r:id="rId2"/>
   </p:sldIdLst>
@@ -105,6 +108,440 @@
     </a:lvl9pPr>
   </p:defaultTextStyle>
 </p:presentation>
+</file>
+
+<file path=ppt/notesMasters/notesMaster1.xml><?xml version="1.0" encoding="utf-8"?>
+<p:notesMaster xmlns:a="http://schemas.openxmlformats.org/drawingml/2006/main" xmlns:r="http://schemas.openxmlformats.org/officeDocument/2006/relationships" xmlns:p="http://schemas.openxmlformats.org/presentationml/2006/main">
+  <p:cSld>
+    <p:bg>
+      <p:bgRef idx="1001">
+        <a:schemeClr val="bg1"/>
+      </p:bgRef>
+    </p:bg>
+    <p:spTree>
+      <p:nvGrpSpPr>
+        <p:cNvPr id="1" name=""/>
+        <p:cNvGrpSpPr/>
+        <p:nvPr/>
+      </p:nvGrpSpPr>
+      <p:grpSpPr>
+        <a:xfrm>
+          <a:off x="0" y="0"/>
+          <a:ext cx="0" cy="0"/>
+          <a:chOff x="0" y="0"/>
+          <a:chExt cx="0" cy="0"/>
+        </a:xfrm>
+      </p:grpSpPr>
+      <p:sp>
+        <p:nvSpPr>
+          <p:cNvPr id="2" name="Header Placeholder 1"/>
+          <p:cNvSpPr>
+            <a:spLocks noGrp="1"/>
+          </p:cNvSpPr>
+          <p:nvPr>
+            <p:ph type="hdr" sz="quarter"/>
+          </p:nvPr>
+        </p:nvSpPr>
+        <p:spPr>
+          <a:xfrm>
+            <a:off x="0" y="0"/>
+            <a:ext cx="2971800" cy="457200"/>
+          </a:xfrm>
+          <a:prstGeom prst="rect">
+            <a:avLst/>
+          </a:prstGeom>
+        </p:spPr>
+        <p:txBody>
+          <a:bodyPr vert="horz" lIns="91440" tIns="45720" rIns="91440" bIns="45720" rtlCol="0"/>
+          <a:lstStyle>
+            <a:lvl1pPr algn="l">
+              <a:defRPr sz="1200"/>
+            </a:lvl1pPr>
+          </a:lstStyle>
+          <a:p>
+            <a:endParaRPr lang="en-US"/>
+          </a:p>
+        </p:txBody>
+      </p:sp>
+      <p:sp>
+        <p:nvSpPr>
+          <p:cNvPr id="3" name="Date Placeholder 2"/>
+          <p:cNvSpPr>
+            <a:spLocks noGrp="1"/>
+          </p:cNvSpPr>
+          <p:nvPr>
+            <p:ph type="dt" idx="1"/>
+          </p:nvPr>
+        </p:nvSpPr>
+        <p:spPr>
+          <a:xfrm>
+            <a:off x="3884613" y="0"/>
+            <a:ext cx="2971800" cy="457200"/>
+          </a:xfrm>
+          <a:prstGeom prst="rect">
+            <a:avLst/>
+          </a:prstGeom>
+        </p:spPr>
+        <p:txBody>
+          <a:bodyPr vert="horz" lIns="91440" tIns="45720" rIns="91440" bIns="45720" rtlCol="0"/>
+          <a:lstStyle>
+            <a:lvl1pPr algn="r">
+              <a:defRPr sz="1200"/>
+            </a:lvl1pPr>
+          </a:lstStyle>
+          <a:p>
+            <a:fld id="{21712728-1815-4046-8E6E-981D47F39119}" type="datetimeFigureOut">
+              <a:rPr lang="en-US" smtClean="0"/>
+              <a:t>5/30/2013</a:t>
+            </a:fld>
+            <a:endParaRPr lang="en-US"/>
+          </a:p>
+        </p:txBody>
+      </p:sp>
+      <p:sp>
+        <p:nvSpPr>
+          <p:cNvPr id="4" name="Slide Image Placeholder 3"/>
+          <p:cNvSpPr>
+            <a:spLocks noGrp="1" noRot="1" noChangeAspect="1"/>
+          </p:cNvSpPr>
+          <p:nvPr>
+            <p:ph type="sldImg" idx="2"/>
+          </p:nvPr>
+        </p:nvSpPr>
+        <p:spPr>
+          <a:xfrm>
+            <a:off x="685800" y="685800"/>
+            <a:ext cx="5486400" cy="3429000"/>
+          </a:xfrm>
+          <a:prstGeom prst="rect">
+            <a:avLst/>
+          </a:prstGeom>
+          <a:noFill/>
+          <a:ln w="12700">
+            <a:solidFill>
+              <a:prstClr val="black"/>
+            </a:solidFill>
+          </a:ln>
+        </p:spPr>
+        <p:txBody>
+          <a:bodyPr vert="horz" lIns="91440" tIns="45720" rIns="91440" bIns="45720" rtlCol="0" anchor="ctr"/>
+          <a:lstStyle/>
+          <a:p>
+            <a:endParaRPr lang="en-US"/>
+          </a:p>
+        </p:txBody>
+      </p:sp>
+      <p:sp>
+        <p:nvSpPr>
+          <p:cNvPr id="5" name="Notes Placeholder 4"/>
+          <p:cNvSpPr>
+            <a:spLocks noGrp="1"/>
+          </p:cNvSpPr>
+          <p:nvPr>
+            <p:ph type="body" sz="quarter" idx="3"/>
+          </p:nvPr>
+        </p:nvSpPr>
+        <p:spPr>
+          <a:xfrm>
+            <a:off x="685800" y="4343400"/>
+            <a:ext cx="5486400" cy="4114800"/>
+          </a:xfrm>
+          <a:prstGeom prst="rect">
+            <a:avLst/>
+          </a:prstGeom>
+        </p:spPr>
+        <p:txBody>
+          <a:bodyPr vert="horz" lIns="91440" tIns="45720" rIns="91440" bIns="45720" rtlCol="0"/>
+          <a:lstStyle/>
+          <a:p>
+            <a:pPr lvl="0"/>
+            <a:r>
+              <a:rPr lang="en-US" smtClean="0"/>
+              <a:t>Click to edit Master text styles</a:t>
+            </a:r>
+          </a:p>
+          <a:p>
+            <a:pPr lvl="1"/>
+            <a:r>
+              <a:rPr lang="en-US" smtClean="0"/>
+              <a:t>Second level</a:t>
+            </a:r>
+          </a:p>
+          <a:p>
+            <a:pPr lvl="2"/>
+            <a:r>
+              <a:rPr lang="en-US" smtClean="0"/>
+              <a:t>Third level</a:t>
+            </a:r>
+          </a:p>
+          <a:p>
+            <a:pPr lvl="3"/>
+            <a:r>
+              <a:rPr lang="en-US" smtClean="0"/>
+              <a:t>Fourth level</a:t>
+            </a:r>
+          </a:p>
+          <a:p>
+            <a:pPr lvl="4"/>
+            <a:r>
+              <a:rPr lang="en-US" smtClean="0"/>
+              <a:t>Fifth level</a:t>
+            </a:r>
+            <a:endParaRPr lang="en-US"/>
+          </a:p>
+        </p:txBody>
+      </p:sp>
+      <p:sp>
+        <p:nvSpPr>
+          <p:cNvPr id="6" name="Footer Placeholder 5"/>
+          <p:cNvSpPr>
+            <a:spLocks noGrp="1"/>
+          </p:cNvSpPr>
+          <p:nvPr>
+            <p:ph type="ftr" sz="quarter" idx="4"/>
+          </p:nvPr>
+        </p:nvSpPr>
+        <p:spPr>
+          <a:xfrm>
+            <a:off x="0" y="8685213"/>
+            <a:ext cx="2971800" cy="457200"/>
+          </a:xfrm>
+          <a:prstGeom prst="rect">
+            <a:avLst/>
+          </a:prstGeom>
+        </p:spPr>
+        <p:txBody>
+          <a:bodyPr vert="horz" lIns="91440" tIns="45720" rIns="91440" bIns="45720" rtlCol="0" anchor="b"/>
+          <a:lstStyle>
+            <a:lvl1pPr algn="l">
+              <a:defRPr sz="1200"/>
+            </a:lvl1pPr>
+          </a:lstStyle>
+          <a:p>
+            <a:endParaRPr lang="en-US"/>
+          </a:p>
+        </p:txBody>
+      </p:sp>
+      <p:sp>
+        <p:nvSpPr>
+          <p:cNvPr id="7" name="Slide Number Placeholder 6"/>
+          <p:cNvSpPr>
+            <a:spLocks noGrp="1"/>
+          </p:cNvSpPr>
+          <p:nvPr>
+            <p:ph type="sldNum" sz="quarter" idx="5"/>
+          </p:nvPr>
+        </p:nvSpPr>
+        <p:spPr>
+          <a:xfrm>
+            <a:off x="3884613" y="8685213"/>
+            <a:ext cx="2971800" cy="457200"/>
+          </a:xfrm>
+          <a:prstGeom prst="rect">
+            <a:avLst/>
+          </a:prstGeom>
+        </p:spPr>
+        <p:txBody>
+          <a:bodyPr vert="horz" lIns="91440" tIns="45720" rIns="91440" bIns="45720" rtlCol="0" anchor="b"/>
+          <a:lstStyle>
+            <a:lvl1pPr algn="r">
+              <a:defRPr sz="1200"/>
+            </a:lvl1pPr>
+          </a:lstStyle>
+          <a:p>
+            <a:fld id="{5EB886E3-AC99-45DC-B703-8D7C4A6B2D9E}" type="slidenum">
+              <a:rPr lang="en-US" smtClean="0"/>
+              <a:t>‹#›</a:t>
+            </a:fld>
+            <a:endParaRPr lang="en-US"/>
+          </a:p>
+        </p:txBody>
+      </p:sp>
+    </p:spTree>
+    <p:extLst>
+      <p:ext uri="{BB962C8B-B14F-4D97-AF65-F5344CB8AC3E}">
+        <p14:creationId xmlns:p14="http://schemas.microsoft.com/office/powerpoint/2010/main" val="2026260404"/>
+      </p:ext>
+    </p:extLst>
+  </p:cSld>
+  <p:clrMap bg1="lt1" tx1="dk1" bg2="lt2" tx2="dk2" accent1="accent1" accent2="accent2" accent3="accent3" accent4="accent4" accent5="accent5" accent6="accent6" hlink="hlink" folHlink="folHlink"/>
+  <p:notesStyle>
+    <a:lvl1pPr marL="0" algn="l" defTabSz="914400" rtl="0" eaLnBrk="1" latinLnBrk="0" hangingPunct="1">
+      <a:defRPr sz="1200" kern="1200">
+        <a:solidFill>
+          <a:schemeClr val="tx1"/>
+        </a:solidFill>
+        <a:latin typeface="+mn-lt"/>
+        <a:ea typeface="+mn-ea"/>
+        <a:cs typeface="+mn-cs"/>
+      </a:defRPr>
+    </a:lvl1pPr>
+    <a:lvl2pPr marL="457200" algn="l" defTabSz="914400" rtl="0" eaLnBrk="1" latinLnBrk="0" hangingPunct="1">
+      <a:defRPr sz="1200" kern="1200">
+        <a:solidFill>
+          <a:schemeClr val="tx1"/>
+        </a:solidFill>
+        <a:latin typeface="+mn-lt"/>
+        <a:ea typeface="+mn-ea"/>
+        <a:cs typeface="+mn-cs"/>
+      </a:defRPr>
+    </a:lvl2pPr>
+    <a:lvl3pPr marL="914400" algn="l" defTabSz="914400" rtl="0" eaLnBrk="1" latinLnBrk="0" hangingPunct="1">
+      <a:defRPr sz="1200" kern="1200">
+        <a:solidFill>
+          <a:schemeClr val="tx1"/>
+        </a:solidFill>
+        <a:latin typeface="+mn-lt"/>
+        <a:ea typeface="+mn-ea"/>
+        <a:cs typeface="+mn-cs"/>
+      </a:defRPr>
+    </a:lvl3pPr>
+    <a:lvl4pPr marL="1371600" algn="l" defTabSz="914400" rtl="0" eaLnBrk="1" latinLnBrk="0" hangingPunct="1">
+      <a:defRPr sz="1200" kern="1200">
+        <a:solidFill>
+          <a:schemeClr val="tx1"/>
+        </a:solidFill>
+        <a:latin typeface="+mn-lt"/>
+        <a:ea typeface="+mn-ea"/>
+        <a:cs typeface="+mn-cs"/>
+      </a:defRPr>
+    </a:lvl4pPr>
+    <a:lvl5pPr marL="1828800" algn="l" defTabSz="914400" rtl="0" eaLnBrk="1" latinLnBrk="0" hangingPunct="1">
+      <a:defRPr sz="1200" kern="1200">
+        <a:solidFill>
+          <a:schemeClr val="tx1"/>
+        </a:solidFill>
+        <a:latin typeface="+mn-lt"/>
+        <a:ea typeface="+mn-ea"/>
+        <a:cs typeface="+mn-cs"/>
+      </a:defRPr>
+    </a:lvl5pPr>
+    <a:lvl6pPr marL="2286000" algn="l" defTabSz="914400" rtl="0" eaLnBrk="1" latinLnBrk="0" hangingPunct="1">
+      <a:defRPr sz="1200" kern="1200">
+        <a:solidFill>
+          <a:schemeClr val="tx1"/>
+        </a:solidFill>
+        <a:latin typeface="+mn-lt"/>
+        <a:ea typeface="+mn-ea"/>
+        <a:cs typeface="+mn-cs"/>
+      </a:defRPr>
+    </a:lvl6pPr>
+    <a:lvl7pPr marL="2743200" algn="l" defTabSz="914400" rtl="0" eaLnBrk="1" latinLnBrk="0" hangingPunct="1">
+      <a:defRPr sz="1200" kern="1200">
+        <a:solidFill>
+          <a:schemeClr val="tx1"/>
+        </a:solidFill>
+        <a:latin typeface="+mn-lt"/>
+        <a:ea typeface="+mn-ea"/>
+        <a:cs typeface="+mn-cs"/>
+      </a:defRPr>
+    </a:lvl7pPr>
+    <a:lvl8pPr marL="3200400" algn="l" defTabSz="914400" rtl="0" eaLnBrk="1" latinLnBrk="0" hangingPunct="1">
+      <a:defRPr sz="1200" kern="1200">
+        <a:solidFill>
+          <a:schemeClr val="tx1"/>
+        </a:solidFill>
+        <a:latin typeface="+mn-lt"/>
+        <a:ea typeface="+mn-ea"/>
+        <a:cs typeface="+mn-cs"/>
+      </a:defRPr>
+    </a:lvl8pPr>
+    <a:lvl9pPr marL="3657600" algn="l" defTabSz="914400" rtl="0" eaLnBrk="1" latinLnBrk="0" hangingPunct="1">
+      <a:defRPr sz="1200" kern="1200">
+        <a:solidFill>
+          <a:schemeClr val="tx1"/>
+        </a:solidFill>
+        <a:latin typeface="+mn-lt"/>
+        <a:ea typeface="+mn-ea"/>
+        <a:cs typeface="+mn-cs"/>
+      </a:defRPr>
+    </a:lvl9pPr>
+  </p:notesStyle>
+</p:notesMaster>
+</file>
+
+<file path=ppt/notesSlides/notesSlide1.xml><?xml version="1.0" encoding="utf-8"?>
+<p:notes xmlns:a="http://schemas.openxmlformats.org/drawingml/2006/main" xmlns:r="http://schemas.openxmlformats.org/officeDocument/2006/relationships" xmlns:p="http://schemas.openxmlformats.org/presentationml/2006/main">
+  <p:cSld>
+    <p:spTree>
+      <p:nvGrpSpPr>
+        <p:cNvPr id="1" name=""/>
+        <p:cNvGrpSpPr/>
+        <p:nvPr/>
+      </p:nvGrpSpPr>
+      <p:grpSpPr>
+        <a:xfrm>
+          <a:off x="0" y="0"/>
+          <a:ext cx="0" cy="0"/>
+          <a:chOff x="0" y="0"/>
+          <a:chExt cx="0" cy="0"/>
+        </a:xfrm>
+      </p:grpSpPr>
+      <p:sp>
+        <p:nvSpPr>
+          <p:cNvPr id="2" name="Slide Image Placeholder 1"/>
+          <p:cNvSpPr>
+            <a:spLocks noGrp="1" noRot="1" noChangeAspect="1"/>
+          </p:cNvSpPr>
+          <p:nvPr>
+            <p:ph type="sldImg"/>
+          </p:nvPr>
+        </p:nvSpPr>
+        <p:spPr/>
+      </p:sp>
+      <p:sp>
+        <p:nvSpPr>
+          <p:cNvPr id="3" name="Notes Placeholder 2"/>
+          <p:cNvSpPr>
+            <a:spLocks noGrp="1"/>
+          </p:cNvSpPr>
+          <p:nvPr>
+            <p:ph type="body" idx="1"/>
+          </p:nvPr>
+        </p:nvSpPr>
+        <p:spPr/>
+        <p:txBody>
+          <a:bodyPr/>
+          <a:lstStyle/>
+          <a:p>
+            <a:endParaRPr lang="en-US" dirty="0"/>
+          </a:p>
+        </p:txBody>
+      </p:sp>
+      <p:sp>
+        <p:nvSpPr>
+          <p:cNvPr id="4" name="Slide Number Placeholder 3"/>
+          <p:cNvSpPr>
+            <a:spLocks noGrp="1"/>
+          </p:cNvSpPr>
+          <p:nvPr>
+            <p:ph type="sldNum" sz="quarter" idx="10"/>
+          </p:nvPr>
+        </p:nvSpPr>
+        <p:spPr/>
+        <p:txBody>
+          <a:bodyPr/>
+          <a:lstStyle/>
+          <a:p>
+            <a:fld id="{5EB886E3-AC99-45DC-B703-8D7C4A6B2D9E}" type="slidenum">
+              <a:rPr lang="en-US" smtClean="0"/>
+              <a:t>1</a:t>
+            </a:fld>
+            <a:endParaRPr lang="en-US"/>
+          </a:p>
+        </p:txBody>
+      </p:sp>
+    </p:spTree>
+    <p:extLst>
+      <p:ext uri="{BB962C8B-B14F-4D97-AF65-F5344CB8AC3E}">
+        <p14:creationId xmlns:p14="http://schemas.microsoft.com/office/powerpoint/2010/main" val="3122114577"/>
+      </p:ext>
+    </p:extLst>
+  </p:cSld>
+  <p:clrMapOvr>
+    <a:masterClrMapping/>
+  </p:clrMapOvr>
+</p:notes>
 </file>
 
 <file path=ppt/slideLayouts/slideLayout1.xml><?xml version="1.0" encoding="utf-8"?>
@@ -3097,352 +3534,14 @@
       </p:grpSpPr>
       <p:sp>
         <p:nvSpPr>
-          <p:cNvPr id="20" name="Oval 19"/>
-          <p:cNvSpPr/>
+          <p:cNvPr id="52" name="TextBox 51"/>
+          <p:cNvSpPr txBox="1"/>
           <p:nvPr/>
         </p:nvSpPr>
         <p:spPr>
           <a:xfrm>
-            <a:off x="2326127" y="249065"/>
-            <a:ext cx="381000" cy="381000"/>
-          </a:xfrm>
-          <a:prstGeom prst="ellipse">
-            <a:avLst/>
-          </a:prstGeom>
-        </p:spPr>
-        <p:style>
-          <a:lnRef idx="2">
-            <a:schemeClr val="accent1">
-              <a:shade val="50000"/>
-            </a:schemeClr>
-          </a:lnRef>
-          <a:fillRef idx="1">
-            <a:schemeClr val="accent1"/>
-          </a:fillRef>
-          <a:effectRef idx="0">
-            <a:schemeClr val="accent1"/>
-          </a:effectRef>
-          <a:fontRef idx="minor">
-            <a:schemeClr val="lt1"/>
-          </a:fontRef>
-        </p:style>
-        <p:txBody>
-          <a:bodyPr rtlCol="0" anchor="ctr"/>
-          <a:lstStyle/>
-          <a:p>
-            <a:pPr algn="ctr"/>
-            <a:endParaRPr lang="en-US"/>
-          </a:p>
-        </p:txBody>
-      </p:sp>
-      <p:cxnSp>
-        <p:nvCxnSpPr>
-          <p:cNvPr id="21" name="Straight Connector 20"/>
-          <p:cNvCxnSpPr>
-            <a:stCxn id="20" idx="4"/>
-          </p:cNvCxnSpPr>
-          <p:nvPr/>
-        </p:nvCxnSpPr>
-        <p:spPr>
-          <a:xfrm>
-            <a:off x="2516627" y="630065"/>
-            <a:ext cx="0" cy="417214"/>
-          </a:xfrm>
-          <a:prstGeom prst="line">
-            <a:avLst/>
-          </a:prstGeom>
-          <a:ln w="31750">
-            <a:solidFill>
-              <a:schemeClr val="tx1"/>
-            </a:solidFill>
-          </a:ln>
-        </p:spPr>
-        <p:style>
-          <a:lnRef idx="1">
-            <a:schemeClr val="accent1"/>
-          </a:lnRef>
-          <a:fillRef idx="0">
-            <a:schemeClr val="accent1"/>
-          </a:fillRef>
-          <a:effectRef idx="0">
-            <a:schemeClr val="accent1"/>
-          </a:effectRef>
-          <a:fontRef idx="minor">
-            <a:schemeClr val="tx1"/>
-          </a:fontRef>
-        </p:style>
-      </p:cxnSp>
-      <p:cxnSp>
-        <p:nvCxnSpPr>
-          <p:cNvPr id="22" name="Straight Connector 21"/>
-          <p:cNvCxnSpPr/>
-          <p:nvPr/>
-        </p:nvCxnSpPr>
-        <p:spPr>
-          <a:xfrm>
-            <a:off x="2516627" y="1047279"/>
-            <a:ext cx="152400" cy="152400"/>
-          </a:xfrm>
-          <a:prstGeom prst="line">
-            <a:avLst/>
-          </a:prstGeom>
-          <a:ln w="31750">
-            <a:solidFill>
-              <a:schemeClr val="tx1"/>
-            </a:solidFill>
-          </a:ln>
-        </p:spPr>
-        <p:style>
-          <a:lnRef idx="1">
-            <a:schemeClr val="accent1"/>
-          </a:lnRef>
-          <a:fillRef idx="0">
-            <a:schemeClr val="accent1"/>
-          </a:fillRef>
-          <a:effectRef idx="0">
-            <a:schemeClr val="accent1"/>
-          </a:effectRef>
-          <a:fontRef idx="minor">
-            <a:schemeClr val="tx1"/>
-          </a:fontRef>
-        </p:style>
-      </p:cxnSp>
-      <p:cxnSp>
-        <p:nvCxnSpPr>
-          <p:cNvPr id="23" name="Straight Connector 22"/>
-          <p:cNvCxnSpPr/>
-          <p:nvPr/>
-        </p:nvCxnSpPr>
-        <p:spPr>
-          <a:xfrm flipV="1">
-            <a:off x="2383277" y="1047279"/>
-            <a:ext cx="133350" cy="152400"/>
-          </a:xfrm>
-          <a:prstGeom prst="line">
-            <a:avLst/>
-          </a:prstGeom>
-          <a:ln w="31750">
-            <a:solidFill>
-              <a:schemeClr val="tx1"/>
-            </a:solidFill>
-          </a:ln>
-        </p:spPr>
-        <p:style>
-          <a:lnRef idx="1">
-            <a:schemeClr val="accent1"/>
-          </a:lnRef>
-          <a:fillRef idx="0">
-            <a:schemeClr val="accent1"/>
-          </a:fillRef>
-          <a:effectRef idx="0">
-            <a:schemeClr val="accent1"/>
-          </a:effectRef>
-          <a:fontRef idx="minor">
-            <a:schemeClr val="tx1"/>
-          </a:fontRef>
-        </p:style>
-      </p:cxnSp>
-      <p:cxnSp>
-        <p:nvCxnSpPr>
-          <p:cNvPr id="24" name="Straight Connector 23"/>
-          <p:cNvCxnSpPr/>
-          <p:nvPr/>
-        </p:nvCxnSpPr>
-        <p:spPr>
-          <a:xfrm flipH="1">
-            <a:off x="2383277" y="782465"/>
-            <a:ext cx="285750" cy="0"/>
-          </a:xfrm>
-          <a:prstGeom prst="line">
-            <a:avLst/>
-          </a:prstGeom>
-          <a:ln w="31750">
-            <a:solidFill>
-              <a:schemeClr val="tx1"/>
-            </a:solidFill>
-          </a:ln>
-        </p:spPr>
-        <p:style>
-          <a:lnRef idx="1">
-            <a:schemeClr val="accent1"/>
-          </a:lnRef>
-          <a:fillRef idx="0">
-            <a:schemeClr val="accent1"/>
-          </a:fillRef>
-          <a:effectRef idx="0">
-            <a:schemeClr val="accent1"/>
-          </a:effectRef>
-          <a:fontRef idx="minor">
-            <a:schemeClr val="tx1"/>
-          </a:fontRef>
-        </p:style>
-      </p:cxnSp>
-      <p:sp>
-        <p:nvSpPr>
-          <p:cNvPr id="26" name="Rectangle 25"/>
-          <p:cNvSpPr/>
-          <p:nvPr/>
-        </p:nvSpPr>
-        <p:spPr>
-          <a:xfrm>
-            <a:off x="468752" y="1595394"/>
-            <a:ext cx="5943600" cy="381000"/>
-          </a:xfrm>
-          <a:prstGeom prst="rect">
-            <a:avLst/>
-          </a:prstGeom>
-          <a:solidFill>
-            <a:schemeClr val="accent3">
-              <a:lumMod val="75000"/>
-            </a:schemeClr>
-          </a:solidFill>
-          <a:ln>
-            <a:solidFill>
-              <a:schemeClr val="accent3">
-                <a:lumMod val="50000"/>
-              </a:schemeClr>
-            </a:solidFill>
-          </a:ln>
-        </p:spPr>
-        <p:style>
-          <a:lnRef idx="2">
-            <a:schemeClr val="accent1">
-              <a:shade val="50000"/>
-            </a:schemeClr>
-          </a:lnRef>
-          <a:fillRef idx="1">
-            <a:schemeClr val="accent1"/>
-          </a:fillRef>
-          <a:effectRef idx="0">
-            <a:schemeClr val="accent1"/>
-          </a:effectRef>
-          <a:fontRef idx="minor">
-            <a:schemeClr val="lt1"/>
-          </a:fontRef>
-        </p:style>
-        <p:txBody>
-          <a:bodyPr rtlCol="0" anchor="ctr"/>
-          <a:lstStyle/>
-          <a:p>
-            <a:pPr algn="ctr"/>
-            <a:r>
-              <a:rPr lang="en-US" dirty="0" smtClean="0"/>
-              <a:t>User API</a:t>
-            </a:r>
-            <a:endParaRPr lang="en-US" dirty="0"/>
-          </a:p>
-        </p:txBody>
-      </p:sp>
-      <p:sp>
-        <p:nvSpPr>
-          <p:cNvPr id="28" name="Rectangle 27"/>
-          <p:cNvSpPr/>
-          <p:nvPr/>
-        </p:nvSpPr>
-        <p:spPr>
-          <a:xfrm>
-            <a:off x="468752" y="3538494"/>
-            <a:ext cx="5943600" cy="381000"/>
-          </a:xfrm>
-          <a:prstGeom prst="rect">
-            <a:avLst/>
-          </a:prstGeom>
-          <a:solidFill>
-            <a:schemeClr val="accent3">
-              <a:lumMod val="75000"/>
-            </a:schemeClr>
-          </a:solidFill>
-          <a:ln>
-            <a:solidFill>
-              <a:schemeClr val="accent3">
-                <a:lumMod val="50000"/>
-              </a:schemeClr>
-            </a:solidFill>
-          </a:ln>
-        </p:spPr>
-        <p:style>
-          <a:lnRef idx="2">
-            <a:schemeClr val="accent1">
-              <a:shade val="50000"/>
-            </a:schemeClr>
-          </a:lnRef>
-          <a:fillRef idx="1">
-            <a:schemeClr val="accent1"/>
-          </a:fillRef>
-          <a:effectRef idx="0">
-            <a:schemeClr val="accent1"/>
-          </a:effectRef>
-          <a:fontRef idx="minor">
-            <a:schemeClr val="lt1"/>
-          </a:fontRef>
-        </p:style>
-        <p:txBody>
-          <a:bodyPr rtlCol="0" anchor="ctr"/>
-          <a:lstStyle/>
-          <a:p>
-            <a:pPr algn="ctr"/>
-            <a:r>
-              <a:rPr lang="en-US" dirty="0" smtClean="0"/>
-              <a:t>Registration API</a:t>
-            </a:r>
-            <a:endParaRPr lang="en-US" dirty="0"/>
-          </a:p>
-        </p:txBody>
-      </p:sp>
-      <p:sp>
-        <p:nvSpPr>
-          <p:cNvPr id="29" name="Left Brace 28"/>
-          <p:cNvSpPr/>
-          <p:nvPr/>
-        </p:nvSpPr>
-        <p:spPr>
-          <a:xfrm>
-            <a:off x="6545702" y="1401245"/>
-            <a:ext cx="304800" cy="743516"/>
-          </a:xfrm>
-          <a:prstGeom prst="leftBrace">
-            <a:avLst/>
-          </a:prstGeom>
-          <a:noFill/>
-          <a:ln w="25400">
-            <a:solidFill>
-              <a:schemeClr val="tx1"/>
-            </a:solidFill>
-          </a:ln>
-        </p:spPr>
-        <p:style>
-          <a:lnRef idx="1">
-            <a:schemeClr val="accent1"/>
-          </a:lnRef>
-          <a:fillRef idx="0">
-            <a:schemeClr val="accent1"/>
-          </a:fillRef>
-          <a:effectRef idx="0">
-            <a:schemeClr val="accent1"/>
-          </a:effectRef>
-          <a:fontRef idx="minor">
-            <a:schemeClr val="tx1"/>
-          </a:fontRef>
-        </p:style>
-        <p:txBody>
-          <a:bodyPr rtlCol="0" anchor="ctr"/>
-          <a:lstStyle/>
-          <a:p>
-            <a:pPr algn="ctr"/>
-            <a:endParaRPr lang="en-US"/>
-          </a:p>
-        </p:txBody>
-      </p:sp>
-      <p:sp>
-        <p:nvSpPr>
-          <p:cNvPr id="30" name="TextBox 29"/>
-          <p:cNvSpPr txBox="1"/>
-          <p:nvPr/>
-        </p:nvSpPr>
-        <p:spPr>
-          <a:xfrm>
-            <a:off x="6846730" y="1316245"/>
-            <a:ext cx="1048172" cy="923330"/>
+            <a:off x="4633865" y="3534013"/>
+            <a:ext cx="6191061" cy="3323987"/>
           </a:xfrm>
           <a:prstGeom prst="rect">
             <a:avLst/>
@@ -3450,237 +3549,1425 @@
           <a:noFill/>
         </p:spPr>
         <p:txBody>
-          <a:bodyPr wrap="none" rtlCol="0">
+          <a:bodyPr wrap="square" rtlCol="0">
             <a:spAutoFit/>
           </a:bodyPr>
           <a:lstStyle/>
           <a:p>
             <a:r>
-              <a:rPr lang="en-US" dirty="0" smtClean="0"/>
-              <a:t>get()</a:t>
-            </a:r>
-          </a:p>
-          <a:p>
-            <a:r>
-              <a:rPr lang="en-US" dirty="0" smtClean="0"/>
-              <a:t>put()</a:t>
-            </a:r>
-          </a:p>
-          <a:p>
-            <a:r>
-              <a:rPr lang="en-US" dirty="0" smtClean="0"/>
-              <a:t>delete()?</a:t>
-            </a:r>
-            <a:endParaRPr lang="en-US" dirty="0"/>
-          </a:p>
-        </p:txBody>
-      </p:sp>
-      <p:sp>
-        <p:nvSpPr>
-          <p:cNvPr id="31" name="Can 30"/>
-          <p:cNvSpPr/>
+              <a:rPr lang="en-US" sz="1400" dirty="0" smtClean="0"/>
+              <a:t>The data service functionality</a:t>
+            </a:r>
+          </a:p>
+          <a:p>
+            <a:pPr marL="400050" indent="-400050">
+              <a:buFont typeface="+mj-lt"/>
+              <a:buAutoNum type="arabicPeriod"/>
+            </a:pPr>
+            <a:r>
+              <a:rPr lang="en-US" sz="1400" b="1" dirty="0" smtClean="0"/>
+              <a:t>DB provider &lt;&gt; DS</a:t>
+            </a:r>
+          </a:p>
+          <a:p>
+            <a:pPr marL="857250" lvl="1" indent="-400050">
+              <a:buFont typeface="+mj-lt"/>
+              <a:buAutoNum type="arabicPeriod"/>
+            </a:pPr>
+            <a:r>
+              <a:rPr lang="en-US" sz="1400" dirty="0" smtClean="0"/>
+              <a:t>The </a:t>
+            </a:r>
+            <a:r>
+              <a:rPr lang="en-US" sz="1400" dirty="0" smtClean="0"/>
+              <a:t>databases register their URLs through the </a:t>
+            </a:r>
+            <a:r>
+              <a:rPr lang="en-US" sz="1400" dirty="0" smtClean="0"/>
+              <a:t>DS </a:t>
+            </a:r>
+            <a:r>
+              <a:rPr lang="en-US" sz="1400" dirty="0" smtClean="0"/>
+              <a:t>API. </a:t>
+            </a:r>
+            <a:endParaRPr lang="en-US" sz="1400" dirty="0"/>
+          </a:p>
+          <a:p>
+            <a:pPr marL="857250" lvl="1" indent="-400050">
+              <a:buFont typeface="+mj-lt"/>
+              <a:buAutoNum type="arabicPeriod"/>
+            </a:pPr>
+            <a:r>
+              <a:rPr lang="en-US" sz="1400" dirty="0" smtClean="0"/>
+              <a:t>The </a:t>
+            </a:r>
+            <a:r>
+              <a:rPr lang="en-US" sz="1400" dirty="0" smtClean="0"/>
+              <a:t>Data Service creates </a:t>
+            </a:r>
+            <a:r>
+              <a:rPr lang="en-US" sz="1400" dirty="0" smtClean="0"/>
+              <a:t>and maintain a </a:t>
+            </a:r>
+            <a:r>
+              <a:rPr lang="en-US" sz="1400" dirty="0" smtClean="0"/>
+              <a:t>list of registered DB and their </a:t>
+            </a:r>
+            <a:r>
+              <a:rPr lang="en-US" sz="1400" dirty="0" smtClean="0"/>
+              <a:t>information</a:t>
+            </a:r>
+            <a:r>
+              <a:rPr lang="en-US" sz="1400" dirty="0" smtClean="0"/>
+              <a:t> </a:t>
+            </a:r>
+            <a:endParaRPr lang="en-US" sz="1400" dirty="0" smtClean="0"/>
+          </a:p>
+          <a:p>
+            <a:pPr marL="400050" indent="-400050">
+              <a:buFont typeface="+mj-lt"/>
+              <a:buAutoNum type="arabicPeriod"/>
+            </a:pPr>
+            <a:r>
+              <a:rPr lang="en-US" sz="1400" b="1" dirty="0" smtClean="0"/>
+              <a:t>DS &lt;&gt; User</a:t>
+            </a:r>
+          </a:p>
+          <a:p>
+            <a:pPr marL="857250" lvl="1" indent="-400050">
+              <a:buFont typeface="+mj-lt"/>
+              <a:buAutoNum type="arabicPeriod"/>
+            </a:pPr>
+            <a:r>
+              <a:rPr lang="en-US" sz="1400" dirty="0"/>
+              <a:t>through the User API, the Data Service serves the respective data without bothering the user with the details of how the data is stored or where it is. </a:t>
+            </a:r>
+            <a:endParaRPr lang="en-US" sz="1400" dirty="0" smtClean="0"/>
+          </a:p>
+          <a:p>
+            <a:pPr marL="857250" lvl="1" indent="-400050">
+              <a:buFont typeface="+mj-lt"/>
+              <a:buAutoNum type="arabicPeriod"/>
+            </a:pPr>
+            <a:r>
+              <a:rPr lang="en-US" sz="1400" dirty="0" smtClean="0"/>
+              <a:t>Aggregate data from different sources (DB providers)  according to some semantically meaningful operations (we learn from a </a:t>
+            </a:r>
+            <a:r>
+              <a:rPr lang="en-US" sz="1400" dirty="0"/>
+              <a:t>subset of astronomy/energy data which types of operations make sense</a:t>
+            </a:r>
+            <a:r>
+              <a:rPr lang="en-US" sz="1400" dirty="0" smtClean="0"/>
+              <a:t>)</a:t>
+            </a:r>
+          </a:p>
+          <a:p>
+            <a:pPr marL="1314450" lvl="2" indent="-400050">
+              <a:buFont typeface="+mj-lt"/>
+              <a:buAutoNum type="arabicPeriod"/>
+            </a:pPr>
+            <a:r>
+              <a:rPr lang="en-US" sz="1400" dirty="0" smtClean="0"/>
+              <a:t>Lookup of Scientific experiments</a:t>
+            </a:r>
+          </a:p>
+          <a:p>
+            <a:pPr marL="1314450" lvl="2" indent="-400050">
+              <a:buFont typeface="+mj-lt"/>
+              <a:buAutoNum type="arabicPeriod"/>
+            </a:pPr>
+            <a:r>
+              <a:rPr lang="en-US" sz="1400" dirty="0" smtClean="0"/>
+              <a:t>Benchmarks/measurements</a:t>
+            </a:r>
+            <a:endParaRPr lang="en-US" sz="1400" dirty="0" smtClean="0"/>
+          </a:p>
+          <a:p>
+            <a:endParaRPr lang="en-US" sz="1400" dirty="0" smtClean="0"/>
+          </a:p>
+        </p:txBody>
+      </p:sp>
+      <p:grpSp>
+        <p:nvGrpSpPr>
+          <p:cNvPr id="6" name="Group 5"/>
+          <p:cNvGrpSpPr/>
+          <p:nvPr/>
+        </p:nvGrpSpPr>
+        <p:grpSpPr>
+          <a:xfrm>
+            <a:off x="125852" y="99307"/>
+            <a:ext cx="7294404" cy="4045030"/>
+            <a:chOff x="125852" y="99307"/>
+            <a:chExt cx="7294404" cy="4045030"/>
+          </a:xfrm>
+        </p:grpSpPr>
+        <p:sp>
+          <p:nvSpPr>
+            <p:cNvPr id="29" name="Left Brace 28"/>
+            <p:cNvSpPr/>
+            <p:nvPr/>
+          </p:nvSpPr>
+          <p:spPr>
+            <a:xfrm>
+              <a:off x="4724447" y="256664"/>
+              <a:ext cx="304800" cy="743516"/>
+            </a:xfrm>
+            <a:prstGeom prst="leftBrace">
+              <a:avLst/>
+            </a:prstGeom>
+            <a:noFill/>
+            <a:ln w="25400">
+              <a:solidFill>
+                <a:schemeClr val="tx1"/>
+              </a:solidFill>
+            </a:ln>
+          </p:spPr>
+          <p:style>
+            <a:lnRef idx="1">
+              <a:schemeClr val="accent1"/>
+            </a:lnRef>
+            <a:fillRef idx="0">
+              <a:schemeClr val="accent1"/>
+            </a:fillRef>
+            <a:effectRef idx="0">
+              <a:schemeClr val="accent1"/>
+            </a:effectRef>
+            <a:fontRef idx="minor">
+              <a:schemeClr val="tx1"/>
+            </a:fontRef>
+          </p:style>
+          <p:txBody>
+            <a:bodyPr rtlCol="0" anchor="ctr"/>
+            <a:lstStyle/>
+            <a:p>
+              <a:pPr algn="ctr"/>
+              <a:endParaRPr lang="en-US"/>
+            </a:p>
+          </p:txBody>
+        </p:sp>
+        <p:sp>
+          <p:nvSpPr>
+            <p:cNvPr id="30" name="TextBox 29"/>
+            <p:cNvSpPr txBox="1"/>
+            <p:nvPr/>
+          </p:nvSpPr>
+          <p:spPr>
+            <a:xfrm>
+              <a:off x="5025475" y="171664"/>
+              <a:ext cx="1048172" cy="923330"/>
+            </a:xfrm>
+            <a:prstGeom prst="rect">
+              <a:avLst/>
+            </a:prstGeom>
+            <a:noFill/>
+          </p:spPr>
+          <p:txBody>
+            <a:bodyPr wrap="none" rtlCol="0">
+              <a:spAutoFit/>
+            </a:bodyPr>
+            <a:lstStyle/>
+            <a:p>
+              <a:r>
+                <a:rPr lang="en-US" dirty="0" smtClean="0"/>
+                <a:t>get()</a:t>
+              </a:r>
+            </a:p>
+            <a:p>
+              <a:r>
+                <a:rPr lang="en-US" dirty="0" smtClean="0"/>
+                <a:t>put()</a:t>
+              </a:r>
+            </a:p>
+            <a:p>
+              <a:r>
+                <a:rPr lang="en-US" dirty="0" smtClean="0"/>
+                <a:t>delete()?</a:t>
+              </a:r>
+              <a:endParaRPr lang="en-US" dirty="0"/>
+            </a:p>
+          </p:txBody>
+        </p:sp>
+        <p:sp>
+          <p:nvSpPr>
+            <p:cNvPr id="48" name="Left Brace 47"/>
+            <p:cNvSpPr/>
+            <p:nvPr/>
+          </p:nvSpPr>
+          <p:spPr>
+            <a:xfrm>
+              <a:off x="4725956" y="1247264"/>
+              <a:ext cx="304800" cy="743516"/>
+            </a:xfrm>
+            <a:prstGeom prst="leftBrace">
+              <a:avLst/>
+            </a:prstGeom>
+            <a:noFill/>
+            <a:ln w="25400">
+              <a:solidFill>
+                <a:schemeClr val="tx1"/>
+              </a:solidFill>
+            </a:ln>
+          </p:spPr>
+          <p:style>
+            <a:lnRef idx="1">
+              <a:schemeClr val="accent1"/>
+            </a:lnRef>
+            <a:fillRef idx="0">
+              <a:schemeClr val="accent1"/>
+            </a:fillRef>
+            <a:effectRef idx="0">
+              <a:schemeClr val="accent1"/>
+            </a:effectRef>
+            <a:fontRef idx="minor">
+              <a:schemeClr val="tx1"/>
+            </a:fontRef>
+          </p:style>
+          <p:txBody>
+            <a:bodyPr rtlCol="0" anchor="ctr"/>
+            <a:lstStyle/>
+            <a:p>
+              <a:pPr algn="ctr"/>
+              <a:endParaRPr lang="en-US"/>
+            </a:p>
+          </p:txBody>
+        </p:sp>
+        <p:sp>
+          <p:nvSpPr>
+            <p:cNvPr id="49" name="TextBox 48"/>
+            <p:cNvSpPr txBox="1"/>
+            <p:nvPr/>
+          </p:nvSpPr>
+          <p:spPr>
+            <a:xfrm>
+              <a:off x="5030756" y="1295856"/>
+              <a:ext cx="2389500" cy="646331"/>
+            </a:xfrm>
+            <a:prstGeom prst="rect">
+              <a:avLst/>
+            </a:prstGeom>
+            <a:noFill/>
+          </p:spPr>
+          <p:txBody>
+            <a:bodyPr wrap="none" rtlCol="0">
+              <a:spAutoFit/>
+            </a:bodyPr>
+            <a:lstStyle/>
+            <a:p>
+              <a:r>
+                <a:rPr lang="en-US" dirty="0" smtClean="0"/>
+                <a:t>Handle for notifications</a:t>
+              </a:r>
+            </a:p>
+            <a:p>
+              <a:r>
+                <a:rPr lang="en-US" dirty="0" smtClean="0"/>
+                <a:t>Internal list of </a:t>
+              </a:r>
+              <a:r>
+                <a:rPr lang="en-US" dirty="0" smtClean="0"/>
+                <a:t>DBs</a:t>
+              </a:r>
+              <a:endParaRPr lang="en-US" dirty="0" smtClean="0"/>
+            </a:p>
+          </p:txBody>
+        </p:sp>
+        <p:sp>
+          <p:nvSpPr>
+            <p:cNvPr id="50" name="Left Brace 49"/>
+            <p:cNvSpPr/>
+            <p:nvPr/>
+          </p:nvSpPr>
+          <p:spPr>
+            <a:xfrm>
+              <a:off x="4720675" y="2212655"/>
+              <a:ext cx="304800" cy="986164"/>
+            </a:xfrm>
+            <a:prstGeom prst="leftBrace">
+              <a:avLst/>
+            </a:prstGeom>
+            <a:noFill/>
+            <a:ln w="25400">
+              <a:solidFill>
+                <a:schemeClr val="tx1"/>
+              </a:solidFill>
+            </a:ln>
+          </p:spPr>
+          <p:style>
+            <a:lnRef idx="1">
+              <a:schemeClr val="accent1"/>
+            </a:lnRef>
+            <a:fillRef idx="0">
+              <a:schemeClr val="accent1"/>
+            </a:fillRef>
+            <a:effectRef idx="0">
+              <a:schemeClr val="accent1"/>
+            </a:effectRef>
+            <a:fontRef idx="minor">
+              <a:schemeClr val="tx1"/>
+            </a:fontRef>
+          </p:style>
+          <p:txBody>
+            <a:bodyPr rtlCol="0" anchor="ctr"/>
+            <a:lstStyle/>
+            <a:p>
+              <a:pPr algn="ctr"/>
+              <a:endParaRPr lang="en-US"/>
+            </a:p>
+          </p:txBody>
+        </p:sp>
+        <p:sp>
+          <p:nvSpPr>
+            <p:cNvPr id="51" name="TextBox 50"/>
+            <p:cNvSpPr txBox="1"/>
+            <p:nvPr/>
+          </p:nvSpPr>
+          <p:spPr>
+            <a:xfrm>
+              <a:off x="5021703" y="2127655"/>
+              <a:ext cx="1293944" cy="1200329"/>
+            </a:xfrm>
+            <a:prstGeom prst="rect">
+              <a:avLst/>
+            </a:prstGeom>
+            <a:noFill/>
+          </p:spPr>
+          <p:txBody>
+            <a:bodyPr wrap="none" rtlCol="0">
+              <a:spAutoFit/>
+            </a:bodyPr>
+            <a:lstStyle/>
+            <a:p>
+              <a:r>
+                <a:rPr lang="en-US" dirty="0" smtClean="0"/>
+                <a:t>URL </a:t>
+              </a:r>
+              <a:r>
+                <a:rPr lang="en-US" dirty="0" smtClean="0"/>
+                <a:t>Access:</a:t>
+              </a:r>
+            </a:p>
+            <a:p>
+              <a:r>
+                <a:rPr lang="en-US" dirty="0" smtClean="0"/>
+                <a:t>- </a:t>
+              </a:r>
+              <a:r>
+                <a:rPr lang="en-US" dirty="0" smtClean="0"/>
+                <a:t>Ontology</a:t>
+              </a:r>
+              <a:endParaRPr lang="en-US" dirty="0" smtClean="0"/>
+            </a:p>
+            <a:p>
+              <a:r>
+                <a:rPr lang="en-US" dirty="0" smtClean="0"/>
+                <a:t>- Model</a:t>
+              </a:r>
+              <a:endParaRPr lang="en-US" dirty="0" smtClean="0"/>
+            </a:p>
+            <a:p>
+              <a:r>
+                <a:rPr lang="en-US" dirty="0" smtClean="0"/>
+                <a:t>- Metadata</a:t>
+              </a:r>
+              <a:endParaRPr lang="en-US" dirty="0"/>
+            </a:p>
+          </p:txBody>
+        </p:sp>
+        <p:grpSp>
+          <p:nvGrpSpPr>
+            <p:cNvPr id="5" name="Group 4"/>
+            <p:cNvGrpSpPr/>
+            <p:nvPr/>
+          </p:nvGrpSpPr>
+          <p:grpSpPr>
+            <a:xfrm>
+              <a:off x="125852" y="99307"/>
+              <a:ext cx="4522348" cy="4045030"/>
+              <a:chOff x="468752" y="249065"/>
+              <a:chExt cx="5943600" cy="5316274"/>
+            </a:xfrm>
+          </p:grpSpPr>
+          <p:grpSp>
+            <p:nvGrpSpPr>
+              <p:cNvPr id="4" name="Group 3"/>
+              <p:cNvGrpSpPr/>
+              <p:nvPr/>
+            </p:nvGrpSpPr>
+            <p:grpSpPr>
+              <a:xfrm>
+                <a:off x="468752" y="1595394"/>
+                <a:ext cx="5943600" cy="2324100"/>
+                <a:chOff x="468752" y="1595394"/>
+                <a:chExt cx="5943600" cy="2324100"/>
+              </a:xfrm>
+            </p:grpSpPr>
+            <p:sp>
+              <p:nvSpPr>
+                <p:cNvPr id="26" name="Rectangle 25"/>
+                <p:cNvSpPr/>
+                <p:nvPr/>
+              </p:nvSpPr>
+              <p:spPr>
+                <a:xfrm>
+                  <a:off x="468752" y="1595394"/>
+                  <a:ext cx="5943600" cy="381000"/>
+                </a:xfrm>
+                <a:prstGeom prst="rect">
+                  <a:avLst/>
+                </a:prstGeom>
+                <a:solidFill>
+                  <a:schemeClr val="accent3">
+                    <a:lumMod val="75000"/>
+                  </a:schemeClr>
+                </a:solidFill>
+                <a:ln>
+                  <a:solidFill>
+                    <a:schemeClr val="accent3">
+                      <a:lumMod val="50000"/>
+                    </a:schemeClr>
+                  </a:solidFill>
+                </a:ln>
+              </p:spPr>
+              <p:style>
+                <a:lnRef idx="2">
+                  <a:schemeClr val="accent1">
+                    <a:shade val="50000"/>
+                  </a:schemeClr>
+                </a:lnRef>
+                <a:fillRef idx="1">
+                  <a:schemeClr val="accent1"/>
+                </a:fillRef>
+                <a:effectRef idx="0">
+                  <a:schemeClr val="accent1"/>
+                </a:effectRef>
+                <a:fontRef idx="minor">
+                  <a:schemeClr val="lt1"/>
+                </a:fontRef>
+              </p:style>
+              <p:txBody>
+                <a:bodyPr rtlCol="0" anchor="ctr"/>
+                <a:lstStyle/>
+                <a:p>
+                  <a:pPr algn="ctr"/>
+                  <a:r>
+                    <a:rPr lang="en-US" dirty="0" smtClean="0"/>
+                    <a:t>User API</a:t>
+                  </a:r>
+                  <a:endParaRPr lang="en-US" dirty="0"/>
+                </a:p>
+              </p:txBody>
+            </p:sp>
+            <p:sp>
+              <p:nvSpPr>
+                <p:cNvPr id="28" name="Rectangle 27"/>
+                <p:cNvSpPr/>
+                <p:nvPr/>
+              </p:nvSpPr>
+              <p:spPr>
+                <a:xfrm>
+                  <a:off x="468752" y="3538494"/>
+                  <a:ext cx="5943600" cy="381000"/>
+                </a:xfrm>
+                <a:prstGeom prst="rect">
+                  <a:avLst/>
+                </a:prstGeom>
+                <a:solidFill>
+                  <a:schemeClr val="accent3">
+                    <a:lumMod val="75000"/>
+                  </a:schemeClr>
+                </a:solidFill>
+                <a:ln>
+                  <a:solidFill>
+                    <a:schemeClr val="accent3">
+                      <a:lumMod val="50000"/>
+                    </a:schemeClr>
+                  </a:solidFill>
+                </a:ln>
+              </p:spPr>
+              <p:style>
+                <a:lnRef idx="2">
+                  <a:schemeClr val="accent1">
+                    <a:shade val="50000"/>
+                  </a:schemeClr>
+                </a:lnRef>
+                <a:fillRef idx="1">
+                  <a:schemeClr val="accent1"/>
+                </a:fillRef>
+                <a:effectRef idx="0">
+                  <a:schemeClr val="accent1"/>
+                </a:effectRef>
+                <a:fontRef idx="minor">
+                  <a:schemeClr val="lt1"/>
+                </a:fontRef>
+              </p:style>
+              <p:txBody>
+                <a:bodyPr rtlCol="0" anchor="ctr"/>
+                <a:lstStyle/>
+                <a:p>
+                  <a:pPr algn="ctr"/>
+                  <a:r>
+                    <a:rPr lang="en-US" dirty="0" smtClean="0"/>
+                    <a:t>Provider </a:t>
+                  </a:r>
+                  <a:r>
+                    <a:rPr lang="en-US" dirty="0" smtClean="0"/>
+                    <a:t>API</a:t>
+                  </a:r>
+                  <a:endParaRPr lang="en-US" dirty="0"/>
+                </a:p>
+              </p:txBody>
+            </p:sp>
+            <p:sp>
+              <p:nvSpPr>
+                <p:cNvPr id="27" name="Rectangle 26"/>
+                <p:cNvSpPr/>
+                <p:nvPr/>
+              </p:nvSpPr>
+              <p:spPr>
+                <a:xfrm>
+                  <a:off x="468752" y="1976394"/>
+                  <a:ext cx="5943600" cy="1562100"/>
+                </a:xfrm>
+                <a:prstGeom prst="rect">
+                  <a:avLst/>
+                </a:prstGeom>
+                <a:solidFill>
+                  <a:schemeClr val="accent6">
+                    <a:lumMod val="75000"/>
+                  </a:schemeClr>
+                </a:solidFill>
+                <a:ln>
+                  <a:solidFill>
+                    <a:schemeClr val="accent6">
+                      <a:lumMod val="50000"/>
+                    </a:schemeClr>
+                  </a:solidFill>
+                </a:ln>
+              </p:spPr>
+              <p:style>
+                <a:lnRef idx="2">
+                  <a:schemeClr val="accent1">
+                    <a:shade val="50000"/>
+                  </a:schemeClr>
+                </a:lnRef>
+                <a:fillRef idx="1">
+                  <a:schemeClr val="accent1"/>
+                </a:fillRef>
+                <a:effectRef idx="0">
+                  <a:schemeClr val="accent1"/>
+                </a:effectRef>
+                <a:fontRef idx="minor">
+                  <a:schemeClr val="lt1"/>
+                </a:fontRef>
+              </p:style>
+              <p:txBody>
+                <a:bodyPr rtlCol="0" anchor="ctr"/>
+                <a:lstStyle/>
+                <a:p>
+                  <a:pPr algn="ctr"/>
+                  <a:r>
+                    <a:rPr lang="en-US" sz="4400" dirty="0" smtClean="0"/>
+                    <a:t>Data Service</a:t>
+                  </a:r>
+                  <a:endParaRPr lang="en-US" sz="4400" dirty="0"/>
+                </a:p>
+              </p:txBody>
+            </p:sp>
+          </p:grpSp>
+          <p:grpSp>
+            <p:nvGrpSpPr>
+              <p:cNvPr id="3" name="Group 2"/>
+              <p:cNvGrpSpPr/>
+              <p:nvPr/>
+            </p:nvGrpSpPr>
+            <p:grpSpPr>
+              <a:xfrm>
+                <a:off x="878327" y="249065"/>
+                <a:ext cx="4981575" cy="5316274"/>
+                <a:chOff x="878327" y="249065"/>
+                <a:chExt cx="4981575" cy="5316274"/>
+              </a:xfrm>
+            </p:grpSpPr>
+            <p:sp>
+              <p:nvSpPr>
+                <p:cNvPr id="20" name="Oval 19"/>
+                <p:cNvSpPr/>
+                <p:nvPr/>
+              </p:nvSpPr>
+              <p:spPr>
+                <a:xfrm>
+                  <a:off x="2326127" y="249065"/>
+                  <a:ext cx="381000" cy="381000"/>
+                </a:xfrm>
+                <a:prstGeom prst="ellipse">
+                  <a:avLst/>
+                </a:prstGeom>
+              </p:spPr>
+              <p:style>
+                <a:lnRef idx="2">
+                  <a:schemeClr val="accent1">
+                    <a:shade val="50000"/>
+                  </a:schemeClr>
+                </a:lnRef>
+                <a:fillRef idx="1">
+                  <a:schemeClr val="accent1"/>
+                </a:fillRef>
+                <a:effectRef idx="0">
+                  <a:schemeClr val="accent1"/>
+                </a:effectRef>
+                <a:fontRef idx="minor">
+                  <a:schemeClr val="lt1"/>
+                </a:fontRef>
+              </p:style>
+              <p:txBody>
+                <a:bodyPr rtlCol="0" anchor="ctr"/>
+                <a:lstStyle/>
+                <a:p>
+                  <a:pPr algn="ctr"/>
+                  <a:endParaRPr lang="en-US"/>
+                </a:p>
+              </p:txBody>
+            </p:sp>
+            <p:grpSp>
+              <p:nvGrpSpPr>
+                <p:cNvPr id="2" name="Group 1"/>
+                <p:cNvGrpSpPr/>
+                <p:nvPr/>
+              </p:nvGrpSpPr>
+              <p:grpSpPr>
+                <a:xfrm>
+                  <a:off x="878327" y="551604"/>
+                  <a:ext cx="4981575" cy="5013735"/>
+                  <a:chOff x="878327" y="551604"/>
+                  <a:chExt cx="4981575" cy="5013735"/>
+                </a:xfrm>
+              </p:grpSpPr>
+              <p:cxnSp>
+                <p:nvCxnSpPr>
+                  <p:cNvPr id="21" name="Straight Connector 20"/>
+                  <p:cNvCxnSpPr>
+                    <a:stCxn id="20" idx="4"/>
+                  </p:cNvCxnSpPr>
+                  <p:nvPr/>
+                </p:nvCxnSpPr>
+                <p:spPr>
+                  <a:xfrm>
+                    <a:off x="2516627" y="630065"/>
+                    <a:ext cx="0" cy="417214"/>
+                  </a:xfrm>
+                  <a:prstGeom prst="line">
+                    <a:avLst/>
+                  </a:prstGeom>
+                  <a:ln w="31750">
+                    <a:solidFill>
+                      <a:schemeClr val="tx1"/>
+                    </a:solidFill>
+                  </a:ln>
+                </p:spPr>
+                <p:style>
+                  <a:lnRef idx="1">
+                    <a:schemeClr val="accent1"/>
+                  </a:lnRef>
+                  <a:fillRef idx="0">
+                    <a:schemeClr val="accent1"/>
+                  </a:fillRef>
+                  <a:effectRef idx="0">
+                    <a:schemeClr val="accent1"/>
+                  </a:effectRef>
+                  <a:fontRef idx="minor">
+                    <a:schemeClr val="tx1"/>
+                  </a:fontRef>
+                </p:style>
+              </p:cxnSp>
+              <p:cxnSp>
+                <p:nvCxnSpPr>
+                  <p:cNvPr id="22" name="Straight Connector 21"/>
+                  <p:cNvCxnSpPr/>
+                  <p:nvPr/>
+                </p:nvCxnSpPr>
+                <p:spPr>
+                  <a:xfrm>
+                    <a:off x="2516627" y="1047279"/>
+                    <a:ext cx="152400" cy="152400"/>
+                  </a:xfrm>
+                  <a:prstGeom prst="line">
+                    <a:avLst/>
+                  </a:prstGeom>
+                  <a:ln w="31750">
+                    <a:solidFill>
+                      <a:schemeClr val="tx1"/>
+                    </a:solidFill>
+                  </a:ln>
+                </p:spPr>
+                <p:style>
+                  <a:lnRef idx="1">
+                    <a:schemeClr val="accent1"/>
+                  </a:lnRef>
+                  <a:fillRef idx="0">
+                    <a:schemeClr val="accent1"/>
+                  </a:fillRef>
+                  <a:effectRef idx="0">
+                    <a:schemeClr val="accent1"/>
+                  </a:effectRef>
+                  <a:fontRef idx="minor">
+                    <a:schemeClr val="tx1"/>
+                  </a:fontRef>
+                </p:style>
+              </p:cxnSp>
+              <p:cxnSp>
+                <p:nvCxnSpPr>
+                  <p:cNvPr id="23" name="Straight Connector 22"/>
+                  <p:cNvCxnSpPr/>
+                  <p:nvPr/>
+                </p:nvCxnSpPr>
+                <p:spPr>
+                  <a:xfrm flipV="1">
+                    <a:off x="2383277" y="1047279"/>
+                    <a:ext cx="133350" cy="152400"/>
+                  </a:xfrm>
+                  <a:prstGeom prst="line">
+                    <a:avLst/>
+                  </a:prstGeom>
+                  <a:ln w="31750">
+                    <a:solidFill>
+                      <a:schemeClr val="tx1"/>
+                    </a:solidFill>
+                  </a:ln>
+                </p:spPr>
+                <p:style>
+                  <a:lnRef idx="1">
+                    <a:schemeClr val="accent1"/>
+                  </a:lnRef>
+                  <a:fillRef idx="0">
+                    <a:schemeClr val="accent1"/>
+                  </a:fillRef>
+                  <a:effectRef idx="0">
+                    <a:schemeClr val="accent1"/>
+                  </a:effectRef>
+                  <a:fontRef idx="minor">
+                    <a:schemeClr val="tx1"/>
+                  </a:fontRef>
+                </p:style>
+              </p:cxnSp>
+              <p:cxnSp>
+                <p:nvCxnSpPr>
+                  <p:cNvPr id="24" name="Straight Connector 23"/>
+                  <p:cNvCxnSpPr/>
+                  <p:nvPr/>
+                </p:nvCxnSpPr>
+                <p:spPr>
+                  <a:xfrm flipH="1">
+                    <a:off x="2383277" y="782465"/>
+                    <a:ext cx="285750" cy="0"/>
+                  </a:xfrm>
+                  <a:prstGeom prst="line">
+                    <a:avLst/>
+                  </a:prstGeom>
+                  <a:ln w="31750">
+                    <a:solidFill>
+                      <a:schemeClr val="tx1"/>
+                    </a:solidFill>
+                  </a:ln>
+                </p:spPr>
+                <p:style>
+                  <a:lnRef idx="1">
+                    <a:schemeClr val="accent1"/>
+                  </a:lnRef>
+                  <a:fillRef idx="0">
+                    <a:schemeClr val="accent1"/>
+                  </a:fillRef>
+                  <a:effectRef idx="0">
+                    <a:schemeClr val="accent1"/>
+                  </a:effectRef>
+                  <a:fontRef idx="minor">
+                    <a:schemeClr val="tx1"/>
+                  </a:fontRef>
+                </p:style>
+              </p:cxnSp>
+              <p:sp>
+                <p:nvSpPr>
+                  <p:cNvPr id="31" name="Can 30"/>
+                  <p:cNvSpPr/>
+                  <p:nvPr/>
+                </p:nvSpPr>
+                <p:spPr>
+                  <a:xfrm>
+                    <a:off x="878327" y="4414794"/>
+                    <a:ext cx="638175" cy="1143000"/>
+                  </a:xfrm>
+                  <a:prstGeom prst="can">
+                    <a:avLst/>
+                  </a:prstGeom>
+                  <a:solidFill>
+                    <a:schemeClr val="accent4">
+                      <a:lumMod val="75000"/>
+                    </a:schemeClr>
+                  </a:solidFill>
+                </p:spPr>
+                <p:style>
+                  <a:lnRef idx="2">
+                    <a:schemeClr val="accent1">
+                      <a:shade val="50000"/>
+                    </a:schemeClr>
+                  </a:lnRef>
+                  <a:fillRef idx="1">
+                    <a:schemeClr val="accent1"/>
+                  </a:fillRef>
+                  <a:effectRef idx="0">
+                    <a:schemeClr val="accent1"/>
+                  </a:effectRef>
+                  <a:fontRef idx="minor">
+                    <a:schemeClr val="lt1"/>
+                  </a:fontRef>
+                </p:style>
+                <p:txBody>
+                  <a:bodyPr rtlCol="0" anchor="ctr"/>
+                  <a:lstStyle/>
+                  <a:p>
+                    <a:pPr algn="ctr"/>
+                    <a:r>
+                      <a:rPr lang="en-US" dirty="0" smtClean="0"/>
+                      <a:t>DB1</a:t>
+                    </a:r>
+                    <a:endParaRPr lang="en-US" dirty="0"/>
+                  </a:p>
+                </p:txBody>
+              </p:sp>
+              <p:sp>
+                <p:nvSpPr>
+                  <p:cNvPr id="33" name="Can 32"/>
+                  <p:cNvSpPr/>
+                  <p:nvPr/>
+                </p:nvSpPr>
+                <p:spPr>
+                  <a:xfrm>
+                    <a:off x="1868927" y="4414794"/>
+                    <a:ext cx="638175" cy="1143000"/>
+                  </a:xfrm>
+                  <a:prstGeom prst="can">
+                    <a:avLst/>
+                  </a:prstGeom>
+                  <a:solidFill>
+                    <a:schemeClr val="accent4">
+                      <a:lumMod val="75000"/>
+                    </a:schemeClr>
+                  </a:solidFill>
+                </p:spPr>
+                <p:style>
+                  <a:lnRef idx="2">
+                    <a:schemeClr val="accent1">
+                      <a:shade val="50000"/>
+                    </a:schemeClr>
+                  </a:lnRef>
+                  <a:fillRef idx="1">
+                    <a:schemeClr val="accent1"/>
+                  </a:fillRef>
+                  <a:effectRef idx="0">
+                    <a:schemeClr val="accent1"/>
+                  </a:effectRef>
+                  <a:fontRef idx="minor">
+                    <a:schemeClr val="lt1"/>
+                  </a:fontRef>
+                </p:style>
+                <p:txBody>
+                  <a:bodyPr rtlCol="0" anchor="ctr"/>
+                  <a:lstStyle/>
+                  <a:p>
+                    <a:pPr algn="ctr"/>
+                    <a:r>
+                      <a:rPr lang="en-US" dirty="0" smtClean="0"/>
+                      <a:t>DB2</a:t>
+                    </a:r>
+                    <a:endParaRPr lang="en-US" dirty="0"/>
+                  </a:p>
+                </p:txBody>
+              </p:sp>
+              <p:sp>
+                <p:nvSpPr>
+                  <p:cNvPr id="34" name="Can 33"/>
+                  <p:cNvSpPr/>
+                  <p:nvPr/>
+                </p:nvSpPr>
+                <p:spPr>
+                  <a:xfrm>
+                    <a:off x="2859527" y="4414794"/>
+                    <a:ext cx="638175" cy="1143000"/>
+                  </a:xfrm>
+                  <a:prstGeom prst="can">
+                    <a:avLst/>
+                  </a:prstGeom>
+                  <a:solidFill>
+                    <a:schemeClr val="accent4">
+                      <a:lumMod val="75000"/>
+                    </a:schemeClr>
+                  </a:solidFill>
+                </p:spPr>
+                <p:style>
+                  <a:lnRef idx="2">
+                    <a:schemeClr val="accent1">
+                      <a:shade val="50000"/>
+                    </a:schemeClr>
+                  </a:lnRef>
+                  <a:fillRef idx="1">
+                    <a:schemeClr val="accent1"/>
+                  </a:fillRef>
+                  <a:effectRef idx="0">
+                    <a:schemeClr val="accent1"/>
+                  </a:effectRef>
+                  <a:fontRef idx="minor">
+                    <a:schemeClr val="lt1"/>
+                  </a:fontRef>
+                </p:style>
+                <p:txBody>
+                  <a:bodyPr rtlCol="0" anchor="ctr"/>
+                  <a:lstStyle/>
+                  <a:p>
+                    <a:pPr algn="ctr"/>
+                    <a:r>
+                      <a:rPr lang="en-US" dirty="0" smtClean="0"/>
+                      <a:t>DB3</a:t>
+                    </a:r>
+                    <a:endParaRPr lang="en-US" dirty="0"/>
+                  </a:p>
+                </p:txBody>
+              </p:sp>
+              <p:sp>
+                <p:nvSpPr>
+                  <p:cNvPr id="35" name="Can 34"/>
+                  <p:cNvSpPr/>
+                  <p:nvPr/>
+                </p:nvSpPr>
+                <p:spPr>
+                  <a:xfrm>
+                    <a:off x="3850127" y="4414794"/>
+                    <a:ext cx="638175" cy="1143000"/>
+                  </a:xfrm>
+                  <a:prstGeom prst="can">
+                    <a:avLst/>
+                  </a:prstGeom>
+                  <a:solidFill>
+                    <a:schemeClr val="accent4">
+                      <a:lumMod val="75000"/>
+                    </a:schemeClr>
+                  </a:solidFill>
+                </p:spPr>
+                <p:style>
+                  <a:lnRef idx="2">
+                    <a:schemeClr val="accent1">
+                      <a:shade val="50000"/>
+                    </a:schemeClr>
+                  </a:lnRef>
+                  <a:fillRef idx="1">
+                    <a:schemeClr val="accent1"/>
+                  </a:fillRef>
+                  <a:effectRef idx="0">
+                    <a:schemeClr val="accent1"/>
+                  </a:effectRef>
+                  <a:fontRef idx="minor">
+                    <a:schemeClr val="lt1"/>
+                  </a:fontRef>
+                </p:style>
+                <p:txBody>
+                  <a:bodyPr rtlCol="0" anchor="ctr"/>
+                  <a:lstStyle/>
+                  <a:p>
+                    <a:pPr algn="ctr"/>
+                    <a:r>
+                      <a:rPr lang="en-US" dirty="0" smtClean="0"/>
+                      <a:t>DB4</a:t>
+                    </a:r>
+                    <a:endParaRPr lang="en-US" dirty="0"/>
+                  </a:p>
+                </p:txBody>
+              </p:sp>
+              <p:sp>
+                <p:nvSpPr>
+                  <p:cNvPr id="36" name="TextBox 35"/>
+                  <p:cNvSpPr txBox="1"/>
+                  <p:nvPr/>
+                </p:nvSpPr>
+                <p:spPr>
+                  <a:xfrm>
+                    <a:off x="4612127" y="4524629"/>
+                    <a:ext cx="538930" cy="707886"/>
+                  </a:xfrm>
+                  <a:prstGeom prst="rect">
+                    <a:avLst/>
+                  </a:prstGeom>
+                  <a:noFill/>
+                </p:spPr>
+                <p:txBody>
+                  <a:bodyPr wrap="none" rtlCol="0">
+                    <a:spAutoFit/>
+                  </a:bodyPr>
+                  <a:lstStyle/>
+                  <a:p>
+                    <a:r>
+                      <a:rPr lang="en-US" sz="4000" dirty="0" smtClean="0"/>
+                      <a:t>…</a:t>
+                    </a:r>
+                    <a:endParaRPr lang="en-US" sz="4000" dirty="0"/>
+                  </a:p>
+                </p:txBody>
+              </p:sp>
+              <p:sp>
+                <p:nvSpPr>
+                  <p:cNvPr id="37" name="Can 36"/>
+                  <p:cNvSpPr/>
+                  <p:nvPr/>
+                </p:nvSpPr>
+                <p:spPr>
+                  <a:xfrm>
+                    <a:off x="5221727" y="4422339"/>
+                    <a:ext cx="638175" cy="1143000"/>
+                  </a:xfrm>
+                  <a:prstGeom prst="can">
+                    <a:avLst/>
+                  </a:prstGeom>
+                  <a:solidFill>
+                    <a:schemeClr val="accent4">
+                      <a:lumMod val="75000"/>
+                    </a:schemeClr>
+                  </a:solidFill>
+                </p:spPr>
+                <p:style>
+                  <a:lnRef idx="2">
+                    <a:schemeClr val="accent1">
+                      <a:shade val="50000"/>
+                    </a:schemeClr>
+                  </a:lnRef>
+                  <a:fillRef idx="1">
+                    <a:schemeClr val="accent1"/>
+                  </a:fillRef>
+                  <a:effectRef idx="0">
+                    <a:schemeClr val="accent1"/>
+                  </a:effectRef>
+                  <a:fontRef idx="minor">
+                    <a:schemeClr val="lt1"/>
+                  </a:fontRef>
+                </p:style>
+                <p:txBody>
+                  <a:bodyPr rtlCol="0" anchor="ctr"/>
+                  <a:lstStyle/>
+                  <a:p>
+                    <a:pPr algn="ctr"/>
+                    <a:r>
+                      <a:rPr lang="en-US" dirty="0" smtClean="0"/>
+                      <a:t>DBN</a:t>
+                    </a:r>
+                    <a:endParaRPr lang="en-US" dirty="0"/>
+                  </a:p>
+                </p:txBody>
+              </p:sp>
+              <p:sp>
+                <p:nvSpPr>
+                  <p:cNvPr id="38" name="Up Arrow 37"/>
+                  <p:cNvSpPr/>
+                  <p:nvPr/>
+                </p:nvSpPr>
+                <p:spPr>
+                  <a:xfrm>
+                    <a:off x="1121214" y="3927039"/>
+                    <a:ext cx="152400" cy="597590"/>
+                  </a:xfrm>
+                  <a:prstGeom prst="upArrow">
+                    <a:avLst/>
+                  </a:prstGeom>
+                </p:spPr>
+                <p:style>
+                  <a:lnRef idx="2">
+                    <a:schemeClr val="accent1">
+                      <a:shade val="50000"/>
+                    </a:schemeClr>
+                  </a:lnRef>
+                  <a:fillRef idx="1">
+                    <a:schemeClr val="accent1"/>
+                  </a:fillRef>
+                  <a:effectRef idx="0">
+                    <a:schemeClr val="accent1"/>
+                  </a:effectRef>
+                  <a:fontRef idx="minor">
+                    <a:schemeClr val="lt1"/>
+                  </a:fontRef>
+                </p:style>
+                <p:txBody>
+                  <a:bodyPr rtlCol="0" anchor="ctr"/>
+                  <a:lstStyle/>
+                  <a:p>
+                    <a:pPr algn="ctr"/>
+                    <a:endParaRPr lang="en-US"/>
+                  </a:p>
+                </p:txBody>
+              </p:sp>
+              <p:sp>
+                <p:nvSpPr>
+                  <p:cNvPr id="39" name="Up Arrow 38"/>
+                  <p:cNvSpPr/>
+                  <p:nvPr/>
+                </p:nvSpPr>
+                <p:spPr>
+                  <a:xfrm>
+                    <a:off x="2111814" y="3927039"/>
+                    <a:ext cx="152400" cy="597590"/>
+                  </a:xfrm>
+                  <a:prstGeom prst="upArrow">
+                    <a:avLst/>
+                  </a:prstGeom>
+                </p:spPr>
+                <p:style>
+                  <a:lnRef idx="2">
+                    <a:schemeClr val="accent1">
+                      <a:shade val="50000"/>
+                    </a:schemeClr>
+                  </a:lnRef>
+                  <a:fillRef idx="1">
+                    <a:schemeClr val="accent1"/>
+                  </a:fillRef>
+                  <a:effectRef idx="0">
+                    <a:schemeClr val="accent1"/>
+                  </a:effectRef>
+                  <a:fontRef idx="minor">
+                    <a:schemeClr val="lt1"/>
+                  </a:fontRef>
+                </p:style>
+                <p:txBody>
+                  <a:bodyPr rtlCol="0" anchor="ctr"/>
+                  <a:lstStyle/>
+                  <a:p>
+                    <a:pPr algn="ctr"/>
+                    <a:endParaRPr lang="en-US"/>
+                  </a:p>
+                </p:txBody>
+              </p:sp>
+              <p:sp>
+                <p:nvSpPr>
+                  <p:cNvPr id="40" name="Up Arrow 39"/>
+                  <p:cNvSpPr/>
+                  <p:nvPr/>
+                </p:nvSpPr>
+                <p:spPr>
+                  <a:xfrm>
+                    <a:off x="3097652" y="3927039"/>
+                    <a:ext cx="152400" cy="597590"/>
+                  </a:xfrm>
+                  <a:prstGeom prst="upArrow">
+                    <a:avLst/>
+                  </a:prstGeom>
+                </p:spPr>
+                <p:style>
+                  <a:lnRef idx="2">
+                    <a:schemeClr val="accent1">
+                      <a:shade val="50000"/>
+                    </a:schemeClr>
+                  </a:lnRef>
+                  <a:fillRef idx="1">
+                    <a:schemeClr val="accent1"/>
+                  </a:fillRef>
+                  <a:effectRef idx="0">
+                    <a:schemeClr val="accent1"/>
+                  </a:effectRef>
+                  <a:fontRef idx="minor">
+                    <a:schemeClr val="lt1"/>
+                  </a:fontRef>
+                </p:style>
+                <p:txBody>
+                  <a:bodyPr rtlCol="0" anchor="ctr"/>
+                  <a:lstStyle/>
+                  <a:p>
+                    <a:pPr algn="ctr"/>
+                    <a:endParaRPr lang="en-US"/>
+                  </a:p>
+                </p:txBody>
+              </p:sp>
+              <p:sp>
+                <p:nvSpPr>
+                  <p:cNvPr id="41" name="Up Arrow 40"/>
+                  <p:cNvSpPr/>
+                  <p:nvPr/>
+                </p:nvSpPr>
+                <p:spPr>
+                  <a:xfrm>
+                    <a:off x="4093014" y="3927039"/>
+                    <a:ext cx="152400" cy="597590"/>
+                  </a:xfrm>
+                  <a:prstGeom prst="upArrow">
+                    <a:avLst/>
+                  </a:prstGeom>
+                </p:spPr>
+                <p:style>
+                  <a:lnRef idx="2">
+                    <a:schemeClr val="accent1">
+                      <a:shade val="50000"/>
+                    </a:schemeClr>
+                  </a:lnRef>
+                  <a:fillRef idx="1">
+                    <a:schemeClr val="accent1"/>
+                  </a:fillRef>
+                  <a:effectRef idx="0">
+                    <a:schemeClr val="accent1"/>
+                  </a:effectRef>
+                  <a:fontRef idx="minor">
+                    <a:schemeClr val="lt1"/>
+                  </a:fontRef>
+                </p:style>
+                <p:txBody>
+                  <a:bodyPr rtlCol="0" anchor="ctr"/>
+                  <a:lstStyle/>
+                  <a:p>
+                    <a:pPr algn="ctr"/>
+                    <a:endParaRPr lang="en-US"/>
+                  </a:p>
+                </p:txBody>
+              </p:sp>
+              <p:sp>
+                <p:nvSpPr>
+                  <p:cNvPr id="42" name="Up Arrow 41"/>
+                  <p:cNvSpPr/>
+                  <p:nvPr/>
+                </p:nvSpPr>
+                <p:spPr>
+                  <a:xfrm>
+                    <a:off x="5464614" y="3927039"/>
+                    <a:ext cx="152400" cy="597590"/>
+                  </a:xfrm>
+                  <a:prstGeom prst="upArrow">
+                    <a:avLst/>
+                  </a:prstGeom>
+                </p:spPr>
+                <p:style>
+                  <a:lnRef idx="2">
+                    <a:schemeClr val="accent1">
+                      <a:shade val="50000"/>
+                    </a:schemeClr>
+                  </a:lnRef>
+                  <a:fillRef idx="1">
+                    <a:schemeClr val="accent1"/>
+                  </a:fillRef>
+                  <a:effectRef idx="0">
+                    <a:schemeClr val="accent1"/>
+                  </a:effectRef>
+                  <a:fontRef idx="minor">
+                    <a:schemeClr val="lt1"/>
+                  </a:fontRef>
+                </p:style>
+                <p:txBody>
+                  <a:bodyPr rtlCol="0" anchor="ctr"/>
+                  <a:lstStyle/>
+                  <a:p>
+                    <a:pPr algn="ctr"/>
+                    <a:endParaRPr lang="en-US"/>
+                  </a:p>
+                </p:txBody>
+              </p:sp>
+              <p:sp>
+                <p:nvSpPr>
+                  <p:cNvPr id="44" name="Down Arrow 43"/>
+                  <p:cNvSpPr/>
+                  <p:nvPr/>
+                </p:nvSpPr>
+                <p:spPr>
+                  <a:xfrm>
+                    <a:off x="3340539" y="932604"/>
+                    <a:ext cx="200025" cy="625065"/>
+                  </a:xfrm>
+                  <a:prstGeom prst="downArrow">
+                    <a:avLst/>
+                  </a:prstGeom>
+                </p:spPr>
+                <p:style>
+                  <a:lnRef idx="2">
+                    <a:schemeClr val="accent1">
+                      <a:shade val="50000"/>
+                    </a:schemeClr>
+                  </a:lnRef>
+                  <a:fillRef idx="1">
+                    <a:schemeClr val="accent1"/>
+                  </a:fillRef>
+                  <a:effectRef idx="0">
+                    <a:schemeClr val="accent1"/>
+                  </a:effectRef>
+                  <a:fontRef idx="minor">
+                    <a:schemeClr val="lt1"/>
+                  </a:fontRef>
+                </p:style>
+                <p:txBody>
+                  <a:bodyPr rtlCol="0" anchor="ctr"/>
+                  <a:lstStyle/>
+                  <a:p>
+                    <a:pPr algn="ctr"/>
+                    <a:endParaRPr lang="en-US"/>
+                  </a:p>
+                </p:txBody>
+              </p:sp>
+              <p:sp>
+                <p:nvSpPr>
+                  <p:cNvPr id="25" name="Rectangle 24"/>
+                  <p:cNvSpPr/>
+                  <p:nvPr/>
+                </p:nvSpPr>
+                <p:spPr>
+                  <a:xfrm>
+                    <a:off x="2897627" y="551604"/>
+                    <a:ext cx="1066800" cy="381000"/>
+                  </a:xfrm>
+                  <a:prstGeom prst="rect">
+                    <a:avLst/>
+                  </a:prstGeom>
+                  <a:solidFill>
+                    <a:schemeClr val="accent2"/>
+                  </a:solidFill>
+                  <a:ln>
+                    <a:solidFill>
+                      <a:schemeClr val="accent2">
+                        <a:lumMod val="75000"/>
+                      </a:schemeClr>
+                    </a:solidFill>
+                  </a:ln>
+                </p:spPr>
+                <p:style>
+                  <a:lnRef idx="2">
+                    <a:schemeClr val="accent1">
+                      <a:shade val="50000"/>
+                    </a:schemeClr>
+                  </a:lnRef>
+                  <a:fillRef idx="1">
+                    <a:schemeClr val="accent1"/>
+                  </a:fillRef>
+                  <a:effectRef idx="0">
+                    <a:schemeClr val="accent1"/>
+                  </a:effectRef>
+                  <a:fontRef idx="minor">
+                    <a:schemeClr val="lt1"/>
+                  </a:fontRef>
+                </p:style>
+                <p:txBody>
+                  <a:bodyPr rtlCol="0" anchor="ctr"/>
+                  <a:lstStyle/>
+                  <a:p>
+                    <a:pPr algn="ctr"/>
+                    <a:r>
+                      <a:rPr lang="en-US" dirty="0" smtClean="0"/>
+                      <a:t>User</a:t>
+                    </a:r>
+                    <a:endParaRPr lang="en-US" dirty="0"/>
+                  </a:p>
+                </p:txBody>
+              </p:sp>
+            </p:grpSp>
+          </p:grpSp>
+        </p:grpSp>
+      </p:grpSp>
+      <p:sp>
+        <p:nvSpPr>
+          <p:cNvPr id="53" name="TextBox 52"/>
+          <p:cNvSpPr txBox="1"/>
           <p:nvPr/>
         </p:nvSpPr>
         <p:spPr>
           <a:xfrm>
-            <a:off x="878327" y="4414794"/>
-            <a:ext cx="638175" cy="1143000"/>
-          </a:xfrm>
-          <a:prstGeom prst="can">
-            <a:avLst/>
-          </a:prstGeom>
-          <a:solidFill>
-            <a:schemeClr val="accent4">
-              <a:lumMod val="75000"/>
-            </a:schemeClr>
-          </a:solidFill>
-        </p:spPr>
-        <p:style>
-          <a:lnRef idx="2">
-            <a:schemeClr val="accent1">
-              <a:shade val="50000"/>
-            </a:schemeClr>
-          </a:lnRef>
-          <a:fillRef idx="1">
-            <a:schemeClr val="accent1"/>
-          </a:fillRef>
-          <a:effectRef idx="0">
-            <a:schemeClr val="accent1"/>
-          </a:effectRef>
-          <a:fontRef idx="minor">
-            <a:schemeClr val="lt1"/>
-          </a:fontRef>
-        </p:style>
-        <p:txBody>
-          <a:bodyPr rtlCol="0" anchor="ctr"/>
-          <a:lstStyle/>
-          <a:p>
-            <a:pPr algn="ctr"/>
-            <a:r>
-              <a:rPr lang="en-US" dirty="0" smtClean="0"/>
-              <a:t>DB1</a:t>
-            </a:r>
-            <a:endParaRPr lang="en-US" dirty="0"/>
-          </a:p>
-        </p:txBody>
-      </p:sp>
-      <p:sp>
-        <p:nvSpPr>
-          <p:cNvPr id="33" name="Can 32"/>
-          <p:cNvSpPr/>
-          <p:nvPr/>
-        </p:nvSpPr>
-        <p:spPr>
-          <a:xfrm>
-            <a:off x="1868927" y="4414794"/>
-            <a:ext cx="638175" cy="1143000"/>
-          </a:xfrm>
-          <a:prstGeom prst="can">
-            <a:avLst/>
-          </a:prstGeom>
-          <a:solidFill>
-            <a:schemeClr val="accent4">
-              <a:lumMod val="75000"/>
-            </a:schemeClr>
-          </a:solidFill>
-        </p:spPr>
-        <p:style>
-          <a:lnRef idx="2">
-            <a:schemeClr val="accent1">
-              <a:shade val="50000"/>
-            </a:schemeClr>
-          </a:lnRef>
-          <a:fillRef idx="1">
-            <a:schemeClr val="accent1"/>
-          </a:fillRef>
-          <a:effectRef idx="0">
-            <a:schemeClr val="accent1"/>
-          </a:effectRef>
-          <a:fontRef idx="minor">
-            <a:schemeClr val="lt1"/>
-          </a:fontRef>
-        </p:style>
-        <p:txBody>
-          <a:bodyPr rtlCol="0" anchor="ctr"/>
-          <a:lstStyle/>
-          <a:p>
-            <a:pPr algn="ctr"/>
-            <a:r>
-              <a:rPr lang="en-US" dirty="0" smtClean="0"/>
-              <a:t>DB2</a:t>
-            </a:r>
-            <a:endParaRPr lang="en-US" dirty="0"/>
-          </a:p>
-        </p:txBody>
-      </p:sp>
-      <p:sp>
-        <p:nvSpPr>
-          <p:cNvPr id="34" name="Can 33"/>
-          <p:cNvSpPr/>
-          <p:nvPr/>
-        </p:nvSpPr>
-        <p:spPr>
-          <a:xfrm>
-            <a:off x="2859527" y="4414794"/>
-            <a:ext cx="638175" cy="1143000"/>
-          </a:xfrm>
-          <a:prstGeom prst="can">
-            <a:avLst/>
-          </a:prstGeom>
-          <a:solidFill>
-            <a:schemeClr val="accent4">
-              <a:lumMod val="75000"/>
-            </a:schemeClr>
-          </a:solidFill>
-        </p:spPr>
-        <p:style>
-          <a:lnRef idx="2">
-            <a:schemeClr val="accent1">
-              <a:shade val="50000"/>
-            </a:schemeClr>
-          </a:lnRef>
-          <a:fillRef idx="1">
-            <a:schemeClr val="accent1"/>
-          </a:fillRef>
-          <a:effectRef idx="0">
-            <a:schemeClr val="accent1"/>
-          </a:effectRef>
-          <a:fontRef idx="minor">
-            <a:schemeClr val="lt1"/>
-          </a:fontRef>
-        </p:style>
-        <p:txBody>
-          <a:bodyPr rtlCol="0" anchor="ctr"/>
-          <a:lstStyle/>
-          <a:p>
-            <a:pPr algn="ctr"/>
-            <a:r>
-              <a:rPr lang="en-US" dirty="0" smtClean="0"/>
-              <a:t>DB3</a:t>
-            </a:r>
-            <a:endParaRPr lang="en-US" dirty="0"/>
-          </a:p>
-        </p:txBody>
-      </p:sp>
-      <p:sp>
-        <p:nvSpPr>
-          <p:cNvPr id="35" name="Can 34"/>
-          <p:cNvSpPr/>
-          <p:nvPr/>
-        </p:nvSpPr>
-        <p:spPr>
-          <a:xfrm>
-            <a:off x="3850127" y="4414794"/>
-            <a:ext cx="638175" cy="1143000"/>
-          </a:xfrm>
-          <a:prstGeom prst="can">
-            <a:avLst/>
-          </a:prstGeom>
-          <a:solidFill>
-            <a:schemeClr val="accent4">
-              <a:lumMod val="75000"/>
-            </a:schemeClr>
-          </a:solidFill>
-        </p:spPr>
-        <p:style>
-          <a:lnRef idx="2">
-            <a:schemeClr val="accent1">
-              <a:shade val="50000"/>
-            </a:schemeClr>
-          </a:lnRef>
-          <a:fillRef idx="1">
-            <a:schemeClr val="accent1"/>
-          </a:fillRef>
-          <a:effectRef idx="0">
-            <a:schemeClr val="accent1"/>
-          </a:effectRef>
-          <a:fontRef idx="minor">
-            <a:schemeClr val="lt1"/>
-          </a:fontRef>
-        </p:style>
-        <p:txBody>
-          <a:bodyPr rtlCol="0" anchor="ctr"/>
-          <a:lstStyle/>
-          <a:p>
-            <a:pPr algn="ctr"/>
-            <a:r>
-              <a:rPr lang="en-US" dirty="0" smtClean="0"/>
-              <a:t>DB4</a:t>
-            </a:r>
-            <a:endParaRPr lang="en-US" dirty="0"/>
-          </a:p>
-        </p:txBody>
-      </p:sp>
-      <p:sp>
-        <p:nvSpPr>
-          <p:cNvPr id="36" name="TextBox 35"/>
-          <p:cNvSpPr txBox="1"/>
-          <p:nvPr/>
-        </p:nvSpPr>
-        <p:spPr>
-          <a:xfrm>
-            <a:off x="4612127" y="4524629"/>
-            <a:ext cx="538930" cy="707886"/>
+            <a:off x="7772400" y="237832"/>
+            <a:ext cx="2769326" cy="1169551"/>
           </a:xfrm>
           <a:prstGeom prst="rect">
             <a:avLst/>
@@ -3688,678 +4975,6 @@
           <a:noFill/>
         </p:spPr>
         <p:txBody>
-          <a:bodyPr wrap="none" rtlCol="0">
-            <a:spAutoFit/>
-          </a:bodyPr>
-          <a:lstStyle/>
-          <a:p>
-            <a:r>
-              <a:rPr lang="en-US" sz="4000" dirty="0" smtClean="0"/>
-              <a:t>…</a:t>
-            </a:r>
-            <a:endParaRPr lang="en-US" sz="4000" dirty="0"/>
-          </a:p>
-        </p:txBody>
-      </p:sp>
-      <p:sp>
-        <p:nvSpPr>
-          <p:cNvPr id="37" name="Can 36"/>
-          <p:cNvSpPr/>
-          <p:nvPr/>
-        </p:nvSpPr>
-        <p:spPr>
-          <a:xfrm>
-            <a:off x="5221727" y="4422339"/>
-            <a:ext cx="638175" cy="1143000"/>
-          </a:xfrm>
-          <a:prstGeom prst="can">
-            <a:avLst/>
-          </a:prstGeom>
-          <a:solidFill>
-            <a:schemeClr val="accent4">
-              <a:lumMod val="75000"/>
-            </a:schemeClr>
-          </a:solidFill>
-        </p:spPr>
-        <p:style>
-          <a:lnRef idx="2">
-            <a:schemeClr val="accent1">
-              <a:shade val="50000"/>
-            </a:schemeClr>
-          </a:lnRef>
-          <a:fillRef idx="1">
-            <a:schemeClr val="accent1"/>
-          </a:fillRef>
-          <a:effectRef idx="0">
-            <a:schemeClr val="accent1"/>
-          </a:effectRef>
-          <a:fontRef idx="minor">
-            <a:schemeClr val="lt1"/>
-          </a:fontRef>
-        </p:style>
-        <p:txBody>
-          <a:bodyPr rtlCol="0" anchor="ctr"/>
-          <a:lstStyle/>
-          <a:p>
-            <a:pPr algn="ctr"/>
-            <a:r>
-              <a:rPr lang="en-US" dirty="0" smtClean="0"/>
-              <a:t>DBN</a:t>
-            </a:r>
-            <a:endParaRPr lang="en-US" dirty="0"/>
-          </a:p>
-        </p:txBody>
-      </p:sp>
-      <p:sp>
-        <p:nvSpPr>
-          <p:cNvPr id="38" name="Up Arrow 37"/>
-          <p:cNvSpPr/>
-          <p:nvPr/>
-        </p:nvSpPr>
-        <p:spPr>
-          <a:xfrm>
-            <a:off x="1121214" y="3927039"/>
-            <a:ext cx="152400" cy="597590"/>
-          </a:xfrm>
-          <a:prstGeom prst="upArrow">
-            <a:avLst/>
-          </a:prstGeom>
-        </p:spPr>
-        <p:style>
-          <a:lnRef idx="2">
-            <a:schemeClr val="accent1">
-              <a:shade val="50000"/>
-            </a:schemeClr>
-          </a:lnRef>
-          <a:fillRef idx="1">
-            <a:schemeClr val="accent1"/>
-          </a:fillRef>
-          <a:effectRef idx="0">
-            <a:schemeClr val="accent1"/>
-          </a:effectRef>
-          <a:fontRef idx="minor">
-            <a:schemeClr val="lt1"/>
-          </a:fontRef>
-        </p:style>
-        <p:txBody>
-          <a:bodyPr rtlCol="0" anchor="ctr"/>
-          <a:lstStyle/>
-          <a:p>
-            <a:pPr algn="ctr"/>
-            <a:endParaRPr lang="en-US"/>
-          </a:p>
-        </p:txBody>
-      </p:sp>
-      <p:sp>
-        <p:nvSpPr>
-          <p:cNvPr id="39" name="Up Arrow 38"/>
-          <p:cNvSpPr/>
-          <p:nvPr/>
-        </p:nvSpPr>
-        <p:spPr>
-          <a:xfrm>
-            <a:off x="2111814" y="3927039"/>
-            <a:ext cx="152400" cy="597590"/>
-          </a:xfrm>
-          <a:prstGeom prst="upArrow">
-            <a:avLst/>
-          </a:prstGeom>
-        </p:spPr>
-        <p:style>
-          <a:lnRef idx="2">
-            <a:schemeClr val="accent1">
-              <a:shade val="50000"/>
-            </a:schemeClr>
-          </a:lnRef>
-          <a:fillRef idx="1">
-            <a:schemeClr val="accent1"/>
-          </a:fillRef>
-          <a:effectRef idx="0">
-            <a:schemeClr val="accent1"/>
-          </a:effectRef>
-          <a:fontRef idx="minor">
-            <a:schemeClr val="lt1"/>
-          </a:fontRef>
-        </p:style>
-        <p:txBody>
-          <a:bodyPr rtlCol="0" anchor="ctr"/>
-          <a:lstStyle/>
-          <a:p>
-            <a:pPr algn="ctr"/>
-            <a:endParaRPr lang="en-US"/>
-          </a:p>
-        </p:txBody>
-      </p:sp>
-      <p:sp>
-        <p:nvSpPr>
-          <p:cNvPr id="40" name="Up Arrow 39"/>
-          <p:cNvSpPr/>
-          <p:nvPr/>
-        </p:nvSpPr>
-        <p:spPr>
-          <a:xfrm>
-            <a:off x="3097652" y="3927039"/>
-            <a:ext cx="152400" cy="597590"/>
-          </a:xfrm>
-          <a:prstGeom prst="upArrow">
-            <a:avLst/>
-          </a:prstGeom>
-        </p:spPr>
-        <p:style>
-          <a:lnRef idx="2">
-            <a:schemeClr val="accent1">
-              <a:shade val="50000"/>
-            </a:schemeClr>
-          </a:lnRef>
-          <a:fillRef idx="1">
-            <a:schemeClr val="accent1"/>
-          </a:fillRef>
-          <a:effectRef idx="0">
-            <a:schemeClr val="accent1"/>
-          </a:effectRef>
-          <a:fontRef idx="minor">
-            <a:schemeClr val="lt1"/>
-          </a:fontRef>
-        </p:style>
-        <p:txBody>
-          <a:bodyPr rtlCol="0" anchor="ctr"/>
-          <a:lstStyle/>
-          <a:p>
-            <a:pPr algn="ctr"/>
-            <a:endParaRPr lang="en-US"/>
-          </a:p>
-        </p:txBody>
-      </p:sp>
-      <p:sp>
-        <p:nvSpPr>
-          <p:cNvPr id="41" name="Up Arrow 40"/>
-          <p:cNvSpPr/>
-          <p:nvPr/>
-        </p:nvSpPr>
-        <p:spPr>
-          <a:xfrm>
-            <a:off x="4093014" y="3927039"/>
-            <a:ext cx="152400" cy="597590"/>
-          </a:xfrm>
-          <a:prstGeom prst="upArrow">
-            <a:avLst/>
-          </a:prstGeom>
-        </p:spPr>
-        <p:style>
-          <a:lnRef idx="2">
-            <a:schemeClr val="accent1">
-              <a:shade val="50000"/>
-            </a:schemeClr>
-          </a:lnRef>
-          <a:fillRef idx="1">
-            <a:schemeClr val="accent1"/>
-          </a:fillRef>
-          <a:effectRef idx="0">
-            <a:schemeClr val="accent1"/>
-          </a:effectRef>
-          <a:fontRef idx="minor">
-            <a:schemeClr val="lt1"/>
-          </a:fontRef>
-        </p:style>
-        <p:txBody>
-          <a:bodyPr rtlCol="0" anchor="ctr"/>
-          <a:lstStyle/>
-          <a:p>
-            <a:pPr algn="ctr"/>
-            <a:endParaRPr lang="en-US"/>
-          </a:p>
-        </p:txBody>
-      </p:sp>
-      <p:sp>
-        <p:nvSpPr>
-          <p:cNvPr id="42" name="Up Arrow 41"/>
-          <p:cNvSpPr/>
-          <p:nvPr/>
-        </p:nvSpPr>
-        <p:spPr>
-          <a:xfrm>
-            <a:off x="5464614" y="3927039"/>
-            <a:ext cx="152400" cy="597590"/>
-          </a:xfrm>
-          <a:prstGeom prst="upArrow">
-            <a:avLst/>
-          </a:prstGeom>
-        </p:spPr>
-        <p:style>
-          <a:lnRef idx="2">
-            <a:schemeClr val="accent1">
-              <a:shade val="50000"/>
-            </a:schemeClr>
-          </a:lnRef>
-          <a:fillRef idx="1">
-            <a:schemeClr val="accent1"/>
-          </a:fillRef>
-          <a:effectRef idx="0">
-            <a:schemeClr val="accent1"/>
-          </a:effectRef>
-          <a:fontRef idx="minor">
-            <a:schemeClr val="lt1"/>
-          </a:fontRef>
-        </p:style>
-        <p:txBody>
-          <a:bodyPr rtlCol="0" anchor="ctr"/>
-          <a:lstStyle/>
-          <a:p>
-            <a:pPr algn="ctr"/>
-            <a:endParaRPr lang="en-US"/>
-          </a:p>
-        </p:txBody>
-      </p:sp>
-      <p:sp>
-        <p:nvSpPr>
-          <p:cNvPr id="44" name="Down Arrow 43"/>
-          <p:cNvSpPr/>
-          <p:nvPr/>
-        </p:nvSpPr>
-        <p:spPr>
-          <a:xfrm>
-            <a:off x="3340539" y="932604"/>
-            <a:ext cx="200025" cy="625065"/>
-          </a:xfrm>
-          <a:prstGeom prst="downArrow">
-            <a:avLst/>
-          </a:prstGeom>
-        </p:spPr>
-        <p:style>
-          <a:lnRef idx="2">
-            <a:schemeClr val="accent1">
-              <a:shade val="50000"/>
-            </a:schemeClr>
-          </a:lnRef>
-          <a:fillRef idx="1">
-            <a:schemeClr val="accent1"/>
-          </a:fillRef>
-          <a:effectRef idx="0">
-            <a:schemeClr val="accent1"/>
-          </a:effectRef>
-          <a:fontRef idx="minor">
-            <a:schemeClr val="lt1"/>
-          </a:fontRef>
-        </p:style>
-        <p:txBody>
-          <a:bodyPr rtlCol="0" anchor="ctr"/>
-          <a:lstStyle/>
-          <a:p>
-            <a:pPr algn="ctr"/>
-            <a:endParaRPr lang="en-US"/>
-          </a:p>
-        </p:txBody>
-      </p:sp>
-      <p:sp>
-        <p:nvSpPr>
-          <p:cNvPr id="48" name="Left Brace 47"/>
-          <p:cNvSpPr/>
-          <p:nvPr/>
-        </p:nvSpPr>
-        <p:spPr>
-          <a:xfrm>
-            <a:off x="6547211" y="2391845"/>
-            <a:ext cx="304800" cy="743516"/>
-          </a:xfrm>
-          <a:prstGeom prst="leftBrace">
-            <a:avLst/>
-          </a:prstGeom>
-          <a:noFill/>
-          <a:ln w="25400">
-            <a:solidFill>
-              <a:schemeClr val="tx1"/>
-            </a:solidFill>
-          </a:ln>
-        </p:spPr>
-        <p:style>
-          <a:lnRef idx="1">
-            <a:schemeClr val="accent1"/>
-          </a:lnRef>
-          <a:fillRef idx="0">
-            <a:schemeClr val="accent1"/>
-          </a:fillRef>
-          <a:effectRef idx="0">
-            <a:schemeClr val="accent1"/>
-          </a:effectRef>
-          <a:fontRef idx="minor">
-            <a:schemeClr val="tx1"/>
-          </a:fontRef>
-        </p:style>
-        <p:txBody>
-          <a:bodyPr rtlCol="0" anchor="ctr"/>
-          <a:lstStyle/>
-          <a:p>
-            <a:pPr algn="ctr"/>
-            <a:endParaRPr lang="en-US"/>
-          </a:p>
-        </p:txBody>
-      </p:sp>
-      <p:sp>
-        <p:nvSpPr>
-          <p:cNvPr id="49" name="TextBox 48"/>
-          <p:cNvSpPr txBox="1"/>
-          <p:nvPr/>
-        </p:nvSpPr>
-        <p:spPr>
-          <a:xfrm>
-            <a:off x="6852011" y="2440437"/>
-            <a:ext cx="2389500" cy="646331"/>
-          </a:xfrm>
-          <a:prstGeom prst="rect">
-            <a:avLst/>
-          </a:prstGeom>
-          <a:noFill/>
-        </p:spPr>
-        <p:txBody>
-          <a:bodyPr wrap="none" rtlCol="0">
-            <a:spAutoFit/>
-          </a:bodyPr>
-          <a:lstStyle/>
-          <a:p>
-            <a:r>
-              <a:rPr lang="en-US" dirty="0" smtClean="0"/>
-              <a:t>Handle for notifications</a:t>
-            </a:r>
-          </a:p>
-          <a:p>
-            <a:r>
-              <a:rPr lang="en-US" dirty="0" smtClean="0"/>
-              <a:t>Internal list of DB</a:t>
-            </a:r>
-          </a:p>
-        </p:txBody>
-      </p:sp>
-      <p:sp>
-        <p:nvSpPr>
-          <p:cNvPr id="27" name="Rectangle 26"/>
-          <p:cNvSpPr/>
-          <p:nvPr/>
-        </p:nvSpPr>
-        <p:spPr>
-          <a:xfrm>
-            <a:off x="468752" y="1976394"/>
-            <a:ext cx="5943600" cy="1562100"/>
-          </a:xfrm>
-          <a:prstGeom prst="rect">
-            <a:avLst/>
-          </a:prstGeom>
-          <a:solidFill>
-            <a:schemeClr val="accent6">
-              <a:lumMod val="75000"/>
-            </a:schemeClr>
-          </a:solidFill>
-          <a:ln>
-            <a:solidFill>
-              <a:schemeClr val="accent6">
-                <a:lumMod val="50000"/>
-              </a:schemeClr>
-            </a:solidFill>
-          </a:ln>
-        </p:spPr>
-        <p:style>
-          <a:lnRef idx="2">
-            <a:schemeClr val="accent1">
-              <a:shade val="50000"/>
-            </a:schemeClr>
-          </a:lnRef>
-          <a:fillRef idx="1">
-            <a:schemeClr val="accent1"/>
-          </a:fillRef>
-          <a:effectRef idx="0">
-            <a:schemeClr val="accent1"/>
-          </a:effectRef>
-          <a:fontRef idx="minor">
-            <a:schemeClr val="lt1"/>
-          </a:fontRef>
-        </p:style>
-        <p:txBody>
-          <a:bodyPr rtlCol="0" anchor="ctr"/>
-          <a:lstStyle/>
-          <a:p>
-            <a:pPr algn="ctr"/>
-            <a:r>
-              <a:rPr lang="en-US" sz="4400" dirty="0" smtClean="0"/>
-              <a:t>Data Service</a:t>
-            </a:r>
-            <a:endParaRPr lang="en-US" sz="4400" dirty="0"/>
-          </a:p>
-        </p:txBody>
-      </p:sp>
-      <p:sp>
-        <p:nvSpPr>
-          <p:cNvPr id="50" name="Left Brace 49"/>
-          <p:cNvSpPr/>
-          <p:nvPr/>
-        </p:nvSpPr>
-        <p:spPr>
-          <a:xfrm>
-            <a:off x="6541930" y="3357236"/>
-            <a:ext cx="304800" cy="743516"/>
-          </a:xfrm>
-          <a:prstGeom prst="leftBrace">
-            <a:avLst/>
-          </a:prstGeom>
-          <a:noFill/>
-          <a:ln w="25400">
-            <a:solidFill>
-              <a:schemeClr val="tx1"/>
-            </a:solidFill>
-          </a:ln>
-        </p:spPr>
-        <p:style>
-          <a:lnRef idx="1">
-            <a:schemeClr val="accent1"/>
-          </a:lnRef>
-          <a:fillRef idx="0">
-            <a:schemeClr val="accent1"/>
-          </a:fillRef>
-          <a:effectRef idx="0">
-            <a:schemeClr val="accent1"/>
-          </a:effectRef>
-          <a:fontRef idx="minor">
-            <a:schemeClr val="tx1"/>
-          </a:fontRef>
-        </p:style>
-        <p:txBody>
-          <a:bodyPr rtlCol="0" anchor="ctr"/>
-          <a:lstStyle/>
-          <a:p>
-            <a:pPr algn="ctr"/>
-            <a:endParaRPr lang="en-US"/>
-          </a:p>
-        </p:txBody>
-      </p:sp>
-      <p:sp>
-        <p:nvSpPr>
-          <p:cNvPr id="51" name="TextBox 50"/>
-          <p:cNvSpPr txBox="1"/>
-          <p:nvPr/>
-        </p:nvSpPr>
-        <p:spPr>
-          <a:xfrm>
-            <a:off x="6842958" y="3272236"/>
-            <a:ext cx="1464312" cy="923330"/>
-          </a:xfrm>
-          <a:prstGeom prst="rect">
-            <a:avLst/>
-          </a:prstGeom>
-          <a:noFill/>
-        </p:spPr>
-        <p:txBody>
-          <a:bodyPr wrap="none" rtlCol="0">
-            <a:spAutoFit/>
-          </a:bodyPr>
-          <a:lstStyle/>
-          <a:p>
-            <a:r>
-              <a:rPr lang="en-US" dirty="0" smtClean="0"/>
-              <a:t>URL Ontology</a:t>
-            </a:r>
-          </a:p>
-          <a:p>
-            <a:r>
-              <a:rPr lang="en-US" dirty="0" smtClean="0"/>
-              <a:t>Model</a:t>
-            </a:r>
-          </a:p>
-          <a:p>
-            <a:r>
-              <a:rPr lang="en-US" dirty="0" smtClean="0"/>
-              <a:t>Metadata</a:t>
-            </a:r>
-            <a:endParaRPr lang="en-US" dirty="0"/>
-          </a:p>
-        </p:txBody>
-      </p:sp>
-      <p:sp>
-        <p:nvSpPr>
-          <p:cNvPr id="52" name="TextBox 51"/>
-          <p:cNvSpPr txBox="1"/>
-          <p:nvPr/>
-        </p:nvSpPr>
-        <p:spPr>
-          <a:xfrm>
-            <a:off x="6324600" y="4272677"/>
-            <a:ext cx="4529702" cy="2585323"/>
-          </a:xfrm>
-          <a:prstGeom prst="rect">
-            <a:avLst/>
-          </a:prstGeom>
-          <a:noFill/>
-        </p:spPr>
-        <p:txBody>
-          <a:bodyPr wrap="none" rtlCol="0">
-            <a:spAutoFit/>
-          </a:bodyPr>
-          <a:lstStyle/>
-          <a:p>
-            <a:r>
-              <a:rPr lang="en-US" dirty="0" smtClean="0"/>
-              <a:t>The databases register their URLs through the </a:t>
-            </a:r>
-          </a:p>
-          <a:p>
-            <a:r>
-              <a:rPr lang="en-US" dirty="0" smtClean="0"/>
-              <a:t>Registration API. The Data Service creates </a:t>
-            </a:r>
-          </a:p>
-          <a:p>
-            <a:r>
-              <a:rPr lang="en-US" dirty="0" smtClean="0"/>
-              <a:t>a list of registered DB and their respective </a:t>
-            </a:r>
-          </a:p>
-          <a:p>
-            <a:r>
-              <a:rPr lang="en-US" dirty="0" smtClean="0"/>
-              <a:t>models. When the user makes a request</a:t>
-            </a:r>
-          </a:p>
-          <a:p>
-            <a:r>
-              <a:rPr lang="en-US" dirty="0"/>
-              <a:t>t</a:t>
-            </a:r>
-            <a:r>
-              <a:rPr lang="en-US" dirty="0" smtClean="0"/>
-              <a:t>hrough the User API, the Data Service </a:t>
-            </a:r>
-          </a:p>
-          <a:p>
-            <a:r>
-              <a:rPr lang="en-US" dirty="0" smtClean="0"/>
-              <a:t>serves the respective data without bothering</a:t>
-            </a:r>
-          </a:p>
-          <a:p>
-            <a:r>
-              <a:rPr lang="en-US" dirty="0" smtClean="0"/>
-              <a:t>the user with the details of how the data</a:t>
-            </a:r>
-          </a:p>
-          <a:p>
-            <a:r>
-              <a:rPr lang="en-US" dirty="0" smtClean="0"/>
-              <a:t>is stored or where it is. </a:t>
-            </a:r>
-          </a:p>
-          <a:p>
-            <a:endParaRPr lang="en-US" dirty="0" smtClean="0"/>
-          </a:p>
-        </p:txBody>
-      </p:sp>
-      <p:sp>
-        <p:nvSpPr>
-          <p:cNvPr id="25" name="Rectangle 24"/>
-          <p:cNvSpPr/>
-          <p:nvPr/>
-        </p:nvSpPr>
-        <p:spPr>
-          <a:xfrm>
-            <a:off x="2897627" y="551604"/>
-            <a:ext cx="1066800" cy="381000"/>
-          </a:xfrm>
-          <a:prstGeom prst="rect">
-            <a:avLst/>
-          </a:prstGeom>
-          <a:solidFill>
-            <a:schemeClr val="accent2"/>
-          </a:solidFill>
-          <a:ln>
-            <a:solidFill>
-              <a:schemeClr val="accent2">
-                <a:lumMod val="75000"/>
-              </a:schemeClr>
-            </a:solidFill>
-          </a:ln>
-        </p:spPr>
-        <p:style>
-          <a:lnRef idx="2">
-            <a:schemeClr val="accent1">
-              <a:shade val="50000"/>
-            </a:schemeClr>
-          </a:lnRef>
-          <a:fillRef idx="1">
-            <a:schemeClr val="accent1"/>
-          </a:fillRef>
-          <a:effectRef idx="0">
-            <a:schemeClr val="accent1"/>
-          </a:effectRef>
-          <a:fontRef idx="minor">
-            <a:schemeClr val="lt1"/>
-          </a:fontRef>
-        </p:style>
-        <p:txBody>
-          <a:bodyPr rtlCol="0" anchor="ctr"/>
-          <a:lstStyle/>
-          <a:p>
-            <a:pPr algn="ctr"/>
-            <a:r>
-              <a:rPr lang="en-US" dirty="0" smtClean="0"/>
-              <a:t>User</a:t>
-            </a:r>
-            <a:endParaRPr lang="en-US" dirty="0"/>
-          </a:p>
-        </p:txBody>
-      </p:sp>
-      <p:sp>
-        <p:nvSpPr>
-          <p:cNvPr id="53" name="TextBox 52"/>
-          <p:cNvSpPr txBox="1"/>
-          <p:nvPr/>
-        </p:nvSpPr>
-        <p:spPr>
-          <a:xfrm>
-            <a:off x="7882076" y="1295949"/>
-            <a:ext cx="2769326" cy="954107"/>
-          </a:xfrm>
-          <a:prstGeom prst="rect">
-            <a:avLst/>
-          </a:prstGeom>
-          <a:noFill/>
-        </p:spPr>
-        <p:txBody>
           <a:bodyPr wrap="square" rtlCol="0">
             <a:spAutoFit/>
           </a:bodyPr>
@@ -4367,15 +4982,19 @@
           <a:p>
             <a:r>
               <a:rPr lang="en-US" sz="1400" dirty="0" smtClean="0"/>
-              <a:t>ANA: Since we are using get, put, </a:t>
-            </a:r>
-            <a:r>
-              <a:rPr lang="en-US" sz="1400" dirty="0" err="1" smtClean="0"/>
-              <a:t>etc</a:t>
+              <a:t>Since </a:t>
             </a:r>
             <a:r>
               <a:rPr lang="en-US" sz="1400" dirty="0" smtClean="0"/>
-              <a:t> I am assuming we are using </a:t>
+              <a:t>we are using get, put, </a:t>
+            </a:r>
+            <a:r>
+              <a:rPr lang="en-US" sz="1400" dirty="0" smtClean="0"/>
+              <a:t>etc. </a:t>
+            </a:r>
+            <a:r>
+              <a:rPr lang="en-US" sz="1400" dirty="0" smtClean="0"/>
+              <a:t>I am assuming we are using </a:t>
             </a:r>
             <a:r>
               <a:rPr lang="en-US" sz="1400" dirty="0" err="1" smtClean="0"/>
@@ -4384,6 +5003,21 @@
             <a:r>
               <a:rPr lang="en-US" sz="1400" dirty="0" smtClean="0"/>
               <a:t> instead of SOAP. Why is this? </a:t>
+            </a:r>
+            <a:endParaRPr lang="en-US" sz="1400" dirty="0" smtClean="0"/>
+          </a:p>
+          <a:p>
+            <a:r>
+              <a:rPr lang="en-US" sz="1400" dirty="0" smtClean="0"/>
+              <a:t>- </a:t>
+            </a:r>
+            <a:r>
+              <a:rPr lang="en-US" sz="1400" dirty="0" smtClean="0"/>
+              <a:t>To do</a:t>
+            </a:r>
+            <a:r>
+              <a:rPr lang="en-US" sz="1400" dirty="0" smtClean="0"/>
+              <a:t>:  investigate pros/cons and list them in report</a:t>
             </a:r>
             <a:endParaRPr lang="en-US" sz="1400" dirty="0"/>
           </a:p>
@@ -4692,4 +5326,289 @@
   <a:objectDefaults/>
   <a:extraClrSchemeLst/>
 </a:theme>
+</file>
+
+<file path=ppt/theme/theme2.xml><?xml version="1.0" encoding="utf-8"?>
+<a:theme xmlns:a="http://schemas.openxmlformats.org/drawingml/2006/main" name="Office Theme">
+  <a:themeElements>
+    <a:clrScheme name="Office">
+      <a:dk1>
+        <a:sysClr val="windowText" lastClr="000000"/>
+      </a:dk1>
+      <a:lt1>
+        <a:sysClr val="window" lastClr="FFFFFF"/>
+      </a:lt1>
+      <a:dk2>
+        <a:srgbClr val="1F497D"/>
+      </a:dk2>
+      <a:lt2>
+        <a:srgbClr val="EEECE1"/>
+      </a:lt2>
+      <a:accent1>
+        <a:srgbClr val="4F81BD"/>
+      </a:accent1>
+      <a:accent2>
+        <a:srgbClr val="C0504D"/>
+      </a:accent2>
+      <a:accent3>
+        <a:srgbClr val="9BBB59"/>
+      </a:accent3>
+      <a:accent4>
+        <a:srgbClr val="8064A2"/>
+      </a:accent4>
+      <a:accent5>
+        <a:srgbClr val="4BACC6"/>
+      </a:accent5>
+      <a:accent6>
+        <a:srgbClr val="F79646"/>
+      </a:accent6>
+      <a:hlink>
+        <a:srgbClr val="0000FF"/>
+      </a:hlink>
+      <a:folHlink>
+        <a:srgbClr val="800080"/>
+      </a:folHlink>
+    </a:clrScheme>
+    <a:fontScheme name="Office">
+      <a:majorFont>
+        <a:latin typeface="Calibri"/>
+        <a:ea typeface=""/>
+        <a:cs typeface=""/>
+        <a:font script="Jpan" typeface="ＭＳ Ｐゴシック"/>
+        <a:font script="Hang" typeface="맑은 고딕"/>
+        <a:font script="Hans" typeface="宋体"/>
+        <a:font script="Hant" typeface="新細明體"/>
+        <a:font script="Arab" typeface="Times New Roman"/>
+        <a:font script="Hebr" typeface="Times New Roman"/>
+        <a:font script="Thai" typeface="Angsana New"/>
+        <a:font script="Ethi" typeface="Nyala"/>
+        <a:font script="Beng" typeface="Vrinda"/>
+        <a:font script="Gujr" typeface="Shruti"/>
+        <a:font script="Khmr" typeface="MoolBoran"/>
+        <a:font script="Knda" typeface="Tunga"/>
+        <a:font script="Guru" typeface="Raavi"/>
+        <a:font script="Cans" typeface="Euphemia"/>
+        <a:font script="Cher" typeface="Plantagenet Cherokee"/>
+        <a:font script="Yiii" typeface="Microsoft Yi Baiti"/>
+        <a:font script="Tibt" typeface="Microsoft Himalaya"/>
+        <a:font script="Thaa" typeface="MV Boli"/>
+        <a:font script="Deva" typeface="Mangal"/>
+        <a:font script="Telu" typeface="Gautami"/>
+        <a:font script="Taml" typeface="Latha"/>
+        <a:font script="Syrc" typeface="Estrangelo Edessa"/>
+        <a:font script="Orya" typeface="Kalinga"/>
+        <a:font script="Mlym" typeface="Kartika"/>
+        <a:font script="Laoo" typeface="DokChampa"/>
+        <a:font script="Sinh" typeface="Iskoola Pota"/>
+        <a:font script="Mong" typeface="Mongolian Baiti"/>
+        <a:font script="Viet" typeface="Times New Roman"/>
+        <a:font script="Uigh" typeface="Microsoft Uighur"/>
+        <a:font script="Geor" typeface="Sylfaen"/>
+      </a:majorFont>
+      <a:minorFont>
+        <a:latin typeface="Calibri"/>
+        <a:ea typeface=""/>
+        <a:cs typeface=""/>
+        <a:font script="Jpan" typeface="ＭＳ Ｐゴシック"/>
+        <a:font script="Hang" typeface="맑은 고딕"/>
+        <a:font script="Hans" typeface="宋体"/>
+        <a:font script="Hant" typeface="新細明體"/>
+        <a:font script="Arab" typeface="Arial"/>
+        <a:font script="Hebr" typeface="Arial"/>
+        <a:font script="Thai" typeface="Cordia New"/>
+        <a:font script="Ethi" typeface="Nyala"/>
+        <a:font script="Beng" typeface="Vrinda"/>
+        <a:font script="Gujr" typeface="Shruti"/>
+        <a:font script="Khmr" typeface="DaunPenh"/>
+        <a:font script="Knda" typeface="Tunga"/>
+        <a:font script="Guru" typeface="Raavi"/>
+        <a:font script="Cans" typeface="Euphemia"/>
+        <a:font script="Cher" typeface="Plantagenet Cherokee"/>
+        <a:font script="Yiii" typeface="Microsoft Yi Baiti"/>
+        <a:font script="Tibt" typeface="Microsoft Himalaya"/>
+        <a:font script="Thaa" typeface="MV Boli"/>
+        <a:font script="Deva" typeface="Mangal"/>
+        <a:font script="Telu" typeface="Gautami"/>
+        <a:font script="Taml" typeface="Latha"/>
+        <a:font script="Syrc" typeface="Estrangelo Edessa"/>
+        <a:font script="Orya" typeface="Kalinga"/>
+        <a:font script="Mlym" typeface="Kartika"/>
+        <a:font script="Laoo" typeface="DokChampa"/>
+        <a:font script="Sinh" typeface="Iskoola Pota"/>
+        <a:font script="Mong" typeface="Mongolian Baiti"/>
+        <a:font script="Viet" typeface="Arial"/>
+        <a:font script="Uigh" typeface="Microsoft Uighur"/>
+        <a:font script="Geor" typeface="Sylfaen"/>
+      </a:minorFont>
+    </a:fontScheme>
+    <a:fmtScheme name="Office">
+      <a:fillStyleLst>
+        <a:solidFill>
+          <a:schemeClr val="phClr"/>
+        </a:solidFill>
+        <a:gradFill rotWithShape="1">
+          <a:gsLst>
+            <a:gs pos="0">
+              <a:schemeClr val="phClr">
+                <a:tint val="50000"/>
+                <a:satMod val="300000"/>
+              </a:schemeClr>
+            </a:gs>
+            <a:gs pos="35000">
+              <a:schemeClr val="phClr">
+                <a:tint val="37000"/>
+                <a:satMod val="300000"/>
+              </a:schemeClr>
+            </a:gs>
+            <a:gs pos="100000">
+              <a:schemeClr val="phClr">
+                <a:tint val="15000"/>
+                <a:satMod val="350000"/>
+              </a:schemeClr>
+            </a:gs>
+          </a:gsLst>
+          <a:lin ang="16200000" scaled="1"/>
+        </a:gradFill>
+        <a:gradFill rotWithShape="1">
+          <a:gsLst>
+            <a:gs pos="0">
+              <a:schemeClr val="phClr">
+                <a:shade val="51000"/>
+                <a:satMod val="130000"/>
+              </a:schemeClr>
+            </a:gs>
+            <a:gs pos="80000">
+              <a:schemeClr val="phClr">
+                <a:shade val="93000"/>
+                <a:satMod val="130000"/>
+              </a:schemeClr>
+            </a:gs>
+            <a:gs pos="100000">
+              <a:schemeClr val="phClr">
+                <a:shade val="94000"/>
+                <a:satMod val="135000"/>
+              </a:schemeClr>
+            </a:gs>
+          </a:gsLst>
+          <a:lin ang="16200000" scaled="0"/>
+        </a:gradFill>
+      </a:fillStyleLst>
+      <a:lnStyleLst>
+        <a:ln w="9525" cap="flat" cmpd="sng" algn="ctr">
+          <a:solidFill>
+            <a:schemeClr val="phClr">
+              <a:shade val="95000"/>
+              <a:satMod val="105000"/>
+            </a:schemeClr>
+          </a:solidFill>
+          <a:prstDash val="solid"/>
+        </a:ln>
+        <a:ln w="25400" cap="flat" cmpd="sng" algn="ctr">
+          <a:solidFill>
+            <a:schemeClr val="phClr"/>
+          </a:solidFill>
+          <a:prstDash val="solid"/>
+        </a:ln>
+        <a:ln w="38100" cap="flat" cmpd="sng" algn="ctr">
+          <a:solidFill>
+            <a:schemeClr val="phClr"/>
+          </a:solidFill>
+          <a:prstDash val="solid"/>
+        </a:ln>
+      </a:lnStyleLst>
+      <a:effectStyleLst>
+        <a:effectStyle>
+          <a:effectLst>
+            <a:outerShdw blurRad="40000" dist="20000" dir="5400000" rotWithShape="0">
+              <a:srgbClr val="000000">
+                <a:alpha val="38000"/>
+              </a:srgbClr>
+            </a:outerShdw>
+          </a:effectLst>
+        </a:effectStyle>
+        <a:effectStyle>
+          <a:effectLst>
+            <a:outerShdw blurRad="40000" dist="23000" dir="5400000" rotWithShape="0">
+              <a:srgbClr val="000000">
+                <a:alpha val="35000"/>
+              </a:srgbClr>
+            </a:outerShdw>
+          </a:effectLst>
+        </a:effectStyle>
+        <a:effectStyle>
+          <a:effectLst>
+            <a:outerShdw blurRad="40000" dist="23000" dir="5400000" rotWithShape="0">
+              <a:srgbClr val="000000">
+                <a:alpha val="35000"/>
+              </a:srgbClr>
+            </a:outerShdw>
+          </a:effectLst>
+          <a:scene3d>
+            <a:camera prst="orthographicFront">
+              <a:rot lat="0" lon="0" rev="0"/>
+            </a:camera>
+            <a:lightRig rig="threePt" dir="t">
+              <a:rot lat="0" lon="0" rev="1200000"/>
+            </a:lightRig>
+          </a:scene3d>
+          <a:sp3d>
+            <a:bevelT w="63500" h="25400"/>
+          </a:sp3d>
+        </a:effectStyle>
+      </a:effectStyleLst>
+      <a:bgFillStyleLst>
+        <a:solidFill>
+          <a:schemeClr val="phClr"/>
+        </a:solidFill>
+        <a:gradFill rotWithShape="1">
+          <a:gsLst>
+            <a:gs pos="0">
+              <a:schemeClr val="phClr">
+                <a:tint val="40000"/>
+                <a:satMod val="350000"/>
+              </a:schemeClr>
+            </a:gs>
+            <a:gs pos="40000">
+              <a:schemeClr val="phClr">
+                <a:tint val="45000"/>
+                <a:shade val="99000"/>
+                <a:satMod val="350000"/>
+              </a:schemeClr>
+            </a:gs>
+            <a:gs pos="100000">
+              <a:schemeClr val="phClr">
+                <a:shade val="20000"/>
+                <a:satMod val="255000"/>
+              </a:schemeClr>
+            </a:gs>
+          </a:gsLst>
+          <a:path path="circle">
+            <a:fillToRect l="50000" t="-80000" r="50000" b="180000"/>
+          </a:path>
+        </a:gradFill>
+        <a:gradFill rotWithShape="1">
+          <a:gsLst>
+            <a:gs pos="0">
+              <a:schemeClr val="phClr">
+                <a:tint val="80000"/>
+                <a:satMod val="300000"/>
+              </a:schemeClr>
+            </a:gs>
+            <a:gs pos="100000">
+              <a:schemeClr val="phClr">
+                <a:shade val="30000"/>
+                <a:satMod val="200000"/>
+              </a:schemeClr>
+            </a:gs>
+          </a:gsLst>
+          <a:path path="circle">
+            <a:fillToRect l="50000" t="50000" r="50000" b="50000"/>
+          </a:path>
+        </a:gradFill>
+      </a:bgFillStyleLst>
+    </a:fmtScheme>
+  </a:themeElements>
+  <a:objectDefaults/>
+  <a:extraClrSchemeLst/>
+</a:theme>
 </file>